--- a/assignment12/assignment12.pptx
+++ b/assignment12/assignment12.pptx
@@ -224,6 +224,11 @@
       </a:defRPr>
     </a:lvl9pPr>
   </p:defaultTextStyle>
+  <p:extLst>
+    <p:ext uri="{EFAFB233-063F-42B5-8137-9DF3F51BA10A}">
+      <p15:sldGuideLst xmlns:p15="http://schemas.microsoft.com/office/powerpoint/2012/main"/>
+    </p:ext>
+  </p:extLst>
 </p:presentation>
 </file>
 
@@ -6687,7 +6692,7 @@
               <a:buNone/>
             </a:pPr>
             <a:r>
-              <a:rPr lang="en" u="sng">
+              <a:rPr lang="en" u="sng" dirty="0">
                 <a:solidFill>
                   <a:schemeClr val="hlink"/>
                 </a:solidFill>
@@ -6695,6 +6700,12 @@
               </a:rPr>
               <a:t>Final Version</a:t>
             </a:r>
+            <a:endParaRPr lang="en" u="sng" dirty="0">
+              <a:solidFill>
+                <a:schemeClr val="hlink"/>
+              </a:solidFill>
+              <a:hlinkClick r:id="rId4"/>
+            </a:endParaRPr>
           </a:p>
         </p:txBody>
       </p:sp>
@@ -6703,6 +6714,13 @@
   <p:clrMapOvr>
     <a:masterClrMapping/>
   </p:clrMapOvr>
+  <p:timing>
+    <p:tnLst>
+      <p:par>
+        <p:cTn id="1" dur="indefinite" restart="never" nodeType="tmRoot"/>
+      </p:par>
+    </p:tnLst>
+  </p:timing>
 </p:sld>
 </file>
 
@@ -6901,6 +6919,13 @@
   <p:clrMapOvr>
     <a:masterClrMapping/>
   </p:clrMapOvr>
+  <p:timing>
+    <p:tnLst>
+      <p:par>
+        <p:cTn id="1" dur="indefinite" restart="never" nodeType="tmRoot"/>
+      </p:par>
+    </p:tnLst>
+  </p:timing>
 </p:sld>
 </file>
 

--- a/assignment12/assignment12.pptx
+++ b/assignment12/assignment12.pptx
@@ -5,7 +5,7 @@
     <p:sldMasterId id="2147483659" r:id="rId1"/>
   </p:sldMasterIdLst>
   <p:notesMasterIdLst>
-    <p:notesMasterId r:id="rId13"/>
+    <p:notesMasterId r:id="rId14"/>
   </p:notesMasterIdLst>
   <p:sldIdLst>
     <p:sldId id="256" r:id="rId2"/>
@@ -19,6 +19,7 @@
     <p:sldId id="264" r:id="rId10"/>
     <p:sldId id="265" r:id="rId11"/>
     <p:sldId id="266" r:id="rId12"/>
+    <p:sldId id="267" r:id="rId13"/>
   </p:sldIdLst>
   <p:sldSz cx="9144000" cy="5143500" type="screen16x9"/>
   <p:notesSz cx="6858000" cy="9144000"/>
@@ -224,11 +225,6 @@
       </a:defRPr>
     </a:lvl9pPr>
   </p:defaultTextStyle>
-  <p:extLst>
-    <p:ext uri="{EFAFB233-063F-42B5-8137-9DF3F51BA10A}">
-      <p15:sldGuideLst xmlns:p15="http://schemas.microsoft.com/office/powerpoint/2012/main"/>
-    </p:ext>
-  </p:extLst>
 </p:presentation>
 </file>
 
@@ -748,7 +744,7 @@
   <p:cSld>
     <p:spTree>
       <p:nvGrpSpPr>
-        <p:cNvPr id="1" name="Shape 108"/>
+        <p:cNvPr id="1" name="Shape 107"/>
         <p:cNvGrpSpPr/>
         <p:nvPr/>
       </p:nvGrpSpPr>
@@ -762,7 +758,7 @@
       </p:grpSpPr>
       <p:sp>
         <p:nvSpPr>
-          <p:cNvPr id="109" name="Shape 109"/>
+          <p:cNvPr id="108" name="Shape 108"/>
           <p:cNvSpPr>
             <a:spLocks noGrp="1" noRot="1" noChangeAspect="1"/>
           </p:cNvSpPr>
@@ -803,7 +799,7 @@
       </p:sp>
       <p:sp>
         <p:nvSpPr>
-          <p:cNvPr id="110" name="Shape 110"/>
+          <p:cNvPr id="109" name="Shape 109"/>
           <p:cNvSpPr txBox="1">
             <a:spLocks noGrp="1"/>
           </p:cNvSpPr>
@@ -849,7 +845,7 @@
   <p:cSld>
     <p:spTree>
       <p:nvGrpSpPr>
-        <p:cNvPr id="1" name="Shape 115"/>
+        <p:cNvPr id="1" name="Shape 113"/>
         <p:cNvGrpSpPr/>
         <p:nvPr/>
       </p:nvGrpSpPr>
@@ -863,7 +859,7 @@
       </p:grpSpPr>
       <p:sp>
         <p:nvSpPr>
-          <p:cNvPr id="116" name="Shape 116"/>
+          <p:cNvPr id="114" name="Shape 114"/>
           <p:cNvSpPr>
             <a:spLocks noGrp="1" noRot="1" noChangeAspect="1"/>
           </p:cNvSpPr>
@@ -904,7 +900,108 @@
       </p:sp>
       <p:sp>
         <p:nvSpPr>
-          <p:cNvPr id="117" name="Shape 117"/>
+          <p:cNvPr id="115" name="Shape 115"/>
+          <p:cNvSpPr txBox="1">
+            <a:spLocks noGrp="1"/>
+          </p:cNvSpPr>
+          <p:nvPr>
+            <p:ph type="body" idx="1"/>
+          </p:nvPr>
+        </p:nvSpPr>
+        <p:spPr>
+          <a:xfrm>
+            <a:off x="685800" y="4343400"/>
+            <a:ext cx="5486400" cy="4114800"/>
+          </a:xfrm>
+          <a:prstGeom prst="rect">
+            <a:avLst/>
+          </a:prstGeom>
+        </p:spPr>
+        <p:txBody>
+          <a:bodyPr lIns="91425" tIns="91425" rIns="91425" bIns="91425" anchor="t" anchorCtr="0">
+            <a:noAutofit/>
+          </a:bodyPr>
+          <a:lstStyle/>
+          <a:p>
+            <a:pPr lvl="0">
+              <a:spcBef>
+                <a:spcPts val="0"/>
+              </a:spcBef>
+              <a:buNone/>
+            </a:pPr>
+            <a:endParaRPr/>
+          </a:p>
+        </p:txBody>
+      </p:sp>
+    </p:spTree>
+  </p:cSld>
+  <p:clrMapOvr>
+    <a:masterClrMapping/>
+  </p:clrMapOvr>
+</p:notes>
+</file>
+
+<file path=ppt/notesSlides/notesSlide12.xml><?xml version="1.0" encoding="utf-8"?>
+<p:notes xmlns:a="http://schemas.openxmlformats.org/drawingml/2006/main" xmlns:r="http://schemas.openxmlformats.org/officeDocument/2006/relationships" xmlns:p="http://schemas.openxmlformats.org/presentationml/2006/main" showMasterSp="0" showMasterPhAnim="0">
+  <p:cSld>
+    <p:spTree>
+      <p:nvGrpSpPr>
+        <p:cNvPr id="1" name="Shape 120"/>
+        <p:cNvGrpSpPr/>
+        <p:nvPr/>
+      </p:nvGrpSpPr>
+      <p:grpSpPr>
+        <a:xfrm>
+          <a:off x="0" y="0"/>
+          <a:ext cx="0" cy="0"/>
+          <a:chOff x="0" y="0"/>
+          <a:chExt cx="0" cy="0"/>
+        </a:xfrm>
+      </p:grpSpPr>
+      <p:sp>
+        <p:nvSpPr>
+          <p:cNvPr id="121" name="Shape 121"/>
+          <p:cNvSpPr>
+            <a:spLocks noGrp="1" noRot="1" noChangeAspect="1"/>
+          </p:cNvSpPr>
+          <p:nvPr>
+            <p:ph type="sldImg" idx="2"/>
+          </p:nvPr>
+        </p:nvSpPr>
+        <p:spPr>
+          <a:xfrm>
+            <a:off x="381000" y="685800"/>
+            <a:ext cx="6096000" cy="3429000"/>
+          </a:xfrm>
+          <a:custGeom>
+            <a:avLst/>
+            <a:gdLst/>
+            <a:ahLst/>
+            <a:cxnLst/>
+            <a:rect l="0" t="0" r="0" b="0"/>
+            <a:pathLst>
+              <a:path w="120000" h="120000" extrusionOk="0">
+                <a:moveTo>
+                  <a:pt x="0" y="0"/>
+                </a:moveTo>
+                <a:lnTo>
+                  <a:pt x="120000" y="0"/>
+                </a:lnTo>
+                <a:lnTo>
+                  <a:pt x="120000" y="120000"/>
+                </a:lnTo>
+                <a:lnTo>
+                  <a:pt x="0" y="120000"/>
+                </a:lnTo>
+                <a:close/>
+              </a:path>
+            </a:pathLst>
+          </a:custGeom>
+        </p:spPr>
+      </p:sp>
+      <p:sp>
+        <p:nvSpPr>
+          <p:cNvPr id="122" name="Shape 122"/>
           <p:cNvSpPr txBox="1">
             <a:spLocks noGrp="1"/>
           </p:cNvSpPr>
@@ -1354,7 +1451,7 @@
   <p:cSld>
     <p:spTree>
       <p:nvGrpSpPr>
-        <p:cNvPr id="1" name="Shape 80"/>
+        <p:cNvPr id="1" name="Shape 81"/>
         <p:cNvGrpSpPr/>
         <p:nvPr/>
       </p:nvGrpSpPr>
@@ -1368,7 +1465,7 @@
       </p:grpSpPr>
       <p:sp>
         <p:nvSpPr>
-          <p:cNvPr id="81" name="Shape 81"/>
+          <p:cNvPr id="82" name="Shape 82"/>
           <p:cNvSpPr>
             <a:spLocks noGrp="1" noRot="1" noChangeAspect="1"/>
           </p:cNvSpPr>
@@ -1409,7 +1506,7 @@
       </p:sp>
       <p:sp>
         <p:nvSpPr>
-          <p:cNvPr id="82" name="Shape 82"/>
+          <p:cNvPr id="83" name="Shape 83"/>
           <p:cNvSpPr txBox="1">
             <a:spLocks noGrp="1"/>
           </p:cNvSpPr>
@@ -1455,7 +1552,7 @@
   <p:cSld>
     <p:spTree>
       <p:nvGrpSpPr>
-        <p:cNvPr id="1" name="Shape 86"/>
+        <p:cNvPr id="1" name="Shape 88"/>
         <p:cNvGrpSpPr/>
         <p:nvPr/>
       </p:nvGrpSpPr>
@@ -1469,7 +1566,7 @@
       </p:grpSpPr>
       <p:sp>
         <p:nvSpPr>
-          <p:cNvPr id="87" name="Shape 87"/>
+          <p:cNvPr id="89" name="Shape 89"/>
           <p:cNvSpPr>
             <a:spLocks noGrp="1" noRot="1" noChangeAspect="1"/>
           </p:cNvSpPr>
@@ -1510,7 +1607,7 @@
       </p:sp>
       <p:sp>
         <p:nvSpPr>
-          <p:cNvPr id="88" name="Shape 88"/>
+          <p:cNvPr id="90" name="Shape 90"/>
           <p:cNvSpPr txBox="1">
             <a:spLocks noGrp="1"/>
           </p:cNvSpPr>
@@ -1556,7 +1653,7 @@
   <p:cSld>
     <p:spTree>
       <p:nvGrpSpPr>
-        <p:cNvPr id="1" name="Shape 92"/>
+        <p:cNvPr id="1" name="Shape 95"/>
         <p:cNvGrpSpPr/>
         <p:nvPr/>
       </p:nvGrpSpPr>
@@ -1570,7 +1667,7 @@
       </p:grpSpPr>
       <p:sp>
         <p:nvSpPr>
-          <p:cNvPr id="93" name="Shape 93"/>
+          <p:cNvPr id="96" name="Shape 96"/>
           <p:cNvSpPr>
             <a:spLocks noGrp="1" noRot="1" noChangeAspect="1"/>
           </p:cNvSpPr>
@@ -1611,7 +1708,7 @@
       </p:sp>
       <p:sp>
         <p:nvSpPr>
-          <p:cNvPr id="94" name="Shape 94"/>
+          <p:cNvPr id="97" name="Shape 97"/>
           <p:cNvSpPr txBox="1">
             <a:spLocks noGrp="1"/>
           </p:cNvSpPr>
@@ -1634,7 +1731,7 @@
           </a:bodyPr>
           <a:lstStyle/>
           <a:p>
-            <a:pPr lvl="0" rtl="0">
+            <a:pPr lvl="0">
               <a:spcBef>
                 <a:spcPts val="0"/>
               </a:spcBef>
@@ -1657,7 +1754,7 @@
   <p:cSld>
     <p:spTree>
       <p:nvGrpSpPr>
-        <p:cNvPr id="1" name="Shape 100"/>
+        <p:cNvPr id="1" name="Shape 101"/>
         <p:cNvGrpSpPr/>
         <p:nvPr/>
       </p:nvGrpSpPr>
@@ -1671,7 +1768,7 @@
       </p:grpSpPr>
       <p:sp>
         <p:nvSpPr>
-          <p:cNvPr id="101" name="Shape 101"/>
+          <p:cNvPr id="102" name="Shape 102"/>
           <p:cNvSpPr>
             <a:spLocks noGrp="1" noRot="1" noChangeAspect="1"/>
           </p:cNvSpPr>
@@ -1712,7 +1809,7 @@
       </p:sp>
       <p:sp>
         <p:nvSpPr>
-          <p:cNvPr id="102" name="Shape 102"/>
+          <p:cNvPr id="103" name="Shape 103"/>
           <p:cNvSpPr txBox="1">
             <a:spLocks noGrp="1"/>
           </p:cNvSpPr>
@@ -5237,7 +5334,7 @@
   <p:cSld>
     <p:spTree>
       <p:nvGrpSpPr>
-        <p:cNvPr id="1" name="Shape 111"/>
+        <p:cNvPr id="1" name="Shape 110"/>
         <p:cNvGrpSpPr/>
         <p:nvPr/>
       </p:nvGrpSpPr>
@@ -5251,7 +5348,7 @@
       </p:grpSpPr>
       <p:sp>
         <p:nvSpPr>
-          <p:cNvPr id="112" name="Shape 112"/>
+          <p:cNvPr id="111" name="Shape 111"/>
           <p:cNvSpPr txBox="1">
             <a:spLocks noGrp="1"/>
           </p:cNvSpPr>
@@ -5282,23 +5379,14 @@
             </a:pPr>
             <a:r>
               <a:rPr lang="en"/>
-              <a:t>Survey (5 responses total)</a:t>
+              <a:t>Experience Goals (recap)</a:t>
             </a:r>
           </a:p>
-          <a:p>
-            <a:pPr lvl="0">
-              <a:spcBef>
-                <a:spcPts val="0"/>
-              </a:spcBef>
-              <a:buNone/>
-            </a:pPr>
-            <a:endParaRPr/>
-          </a:p>
         </p:txBody>
       </p:sp>
       <p:sp>
         <p:nvSpPr>
-          <p:cNvPr id="113" name="Shape 113"/>
+          <p:cNvPr id="112" name="Shape 112"/>
           <p:cNvSpPr txBox="1">
             <a:spLocks noGrp="1"/>
           </p:cNvSpPr>
@@ -5309,7 +5397,7 @@
         <p:spPr>
           <a:xfrm>
             <a:off x="311700" y="1152475"/>
-            <a:ext cx="3999900" cy="3416400"/>
+            <a:ext cx="8520600" cy="3416400"/>
           </a:xfrm>
           <a:prstGeom prst="rect">
             <a:avLst/>
@@ -5321,405 +5409,121 @@
           </a:bodyPr>
           <a:lstStyle/>
           <a:p>
-            <a:pPr marL="457200" lvl="0" indent="-304800" rtl="0">
+            <a:pPr marL="514350" lvl="0" indent="-285750">
               <a:spcBef>
                 <a:spcPts val="0"/>
               </a:spcBef>
               <a:spcAft>
-                <a:spcPts val="0"/>
-              </a:spcAft>
-              <a:buSzPct val="100000"/>
-              <a:buFont typeface="Arial" panose="020B0604020202020204" pitchFamily="34" charset="0"/>
-              <a:buChar char="•"/>
-            </a:pPr>
-            <a:r>
-              <a:rPr lang="en" sz="1200" dirty="0"/>
-              <a:t>Did you try to combo?</a:t>
-            </a:r>
-          </a:p>
-          <a:p>
-            <a:pPr marL="914400" lvl="1" indent="-304800" rtl="0">
-              <a:spcBef>
-                <a:spcPts val="0"/>
-              </a:spcBef>
-              <a:spcAft>
-                <a:spcPts val="0"/>
-              </a:spcAft>
-              <a:buSzPct val="100000"/>
-              <a:buFont typeface="Arial" panose="020B0604020202020204" pitchFamily="34" charset="0"/>
-              <a:buChar char="•"/>
-            </a:pPr>
-            <a:r>
-              <a:rPr lang="en" dirty="0"/>
-              <a:t>Yes		5</a:t>
-            </a:r>
-          </a:p>
-          <a:p>
-            <a:pPr marL="914400" lvl="1" indent="-304800" rtl="0">
-              <a:spcBef>
-                <a:spcPts val="0"/>
-              </a:spcBef>
-              <a:spcAft>
-                <a:spcPts val="0"/>
-              </a:spcAft>
-              <a:buSzPct val="100000"/>
-              <a:buFont typeface="Arial" panose="020B0604020202020204" pitchFamily="34" charset="0"/>
-              <a:buChar char="•"/>
-            </a:pPr>
-            <a:r>
-              <a:rPr lang="en" dirty="0"/>
-              <a:t>No		0</a:t>
-            </a:r>
-          </a:p>
-          <a:p>
-            <a:pPr marL="457200" lvl="0" indent="-304800" rtl="0">
-              <a:spcBef>
-                <a:spcPts val="0"/>
-              </a:spcBef>
-              <a:spcAft>
-                <a:spcPts val="0"/>
-              </a:spcAft>
-              <a:buSzPct val="100000"/>
-              <a:buFont typeface="Arial" panose="020B0604020202020204" pitchFamily="34" charset="0"/>
-              <a:buChar char="•"/>
-            </a:pPr>
-            <a:r>
-              <a:rPr lang="en" sz="1200" dirty="0"/>
-              <a:t>Was it clear to you when combos occurred?</a:t>
-            </a:r>
-          </a:p>
-          <a:p>
-            <a:pPr marL="914400" lvl="1" indent="-304800" rtl="0">
-              <a:spcBef>
-                <a:spcPts val="0"/>
-              </a:spcBef>
-              <a:spcAft>
-                <a:spcPts val="0"/>
-              </a:spcAft>
-              <a:buSzPct val="100000"/>
-              <a:buFont typeface="Arial" panose="020B0604020202020204" pitchFamily="34" charset="0"/>
-              <a:buChar char="•"/>
-            </a:pPr>
-            <a:r>
-              <a:rPr lang="en" dirty="0"/>
-              <a:t>Yes		5</a:t>
-            </a:r>
-          </a:p>
-          <a:p>
-            <a:pPr marL="914400" lvl="1" indent="-304800" rtl="0">
-              <a:spcBef>
-                <a:spcPts val="0"/>
-              </a:spcBef>
-              <a:spcAft>
-                <a:spcPts val="0"/>
-              </a:spcAft>
-              <a:buSzPct val="100000"/>
-              <a:buFont typeface="Arial" panose="020B0604020202020204" pitchFamily="34" charset="0"/>
-              <a:buChar char="•"/>
-            </a:pPr>
-            <a:r>
-              <a:rPr lang="en" dirty="0"/>
-              <a:t>No		0</a:t>
-            </a:r>
-          </a:p>
-          <a:p>
-            <a:pPr marL="914400" lvl="1" indent="-304800" rtl="0">
-              <a:spcBef>
-                <a:spcPts val="0"/>
-              </a:spcBef>
-              <a:spcAft>
-                <a:spcPts val="0"/>
-              </a:spcAft>
-              <a:buSzPct val="100000"/>
-              <a:buFont typeface="Arial" panose="020B0604020202020204" pitchFamily="34" charset="0"/>
-              <a:buChar char="•"/>
-            </a:pPr>
-            <a:r>
-              <a:rPr lang="en" dirty="0"/>
-              <a:t>Maybe	0</a:t>
-            </a:r>
-          </a:p>
-          <a:p>
-            <a:pPr marL="457200" lvl="0" indent="-304800" rtl="0">
-              <a:spcBef>
-                <a:spcPts val="0"/>
-              </a:spcBef>
-              <a:spcAft>
-                <a:spcPts val="0"/>
-              </a:spcAft>
-              <a:buSzPct val="100000"/>
-              <a:buFont typeface="Arial" panose="020B0604020202020204" pitchFamily="34" charset="0"/>
-              <a:buChar char="•"/>
-            </a:pPr>
-            <a:r>
-              <a:rPr lang="en" sz="1200" dirty="0"/>
-              <a:t>Do you think the glyphs looked okay?</a:t>
-            </a:r>
-          </a:p>
-          <a:p>
-            <a:pPr marL="914400" lvl="1" indent="-304800" rtl="0">
-              <a:spcBef>
-                <a:spcPts val="0"/>
-              </a:spcBef>
-              <a:spcAft>
-                <a:spcPts val="0"/>
-              </a:spcAft>
-              <a:buSzPct val="100000"/>
-              <a:buFont typeface="Arial" panose="020B0604020202020204" pitchFamily="34" charset="0"/>
-              <a:buChar char="•"/>
-            </a:pPr>
-            <a:r>
-              <a:rPr lang="en" dirty="0"/>
-              <a:t>Yes		5</a:t>
-            </a:r>
-          </a:p>
-          <a:p>
-            <a:pPr marL="914400" lvl="1" indent="-304800" rtl="0">
-              <a:spcBef>
-                <a:spcPts val="0"/>
-              </a:spcBef>
-              <a:spcAft>
-                <a:spcPts val="0"/>
-              </a:spcAft>
-              <a:buSzPct val="100000"/>
-              <a:buFont typeface="Arial" panose="020B0604020202020204" pitchFamily="34" charset="0"/>
-              <a:buChar char="•"/>
-            </a:pPr>
-            <a:r>
-              <a:rPr lang="en" dirty="0"/>
-              <a:t>No		0</a:t>
-            </a:r>
-          </a:p>
-          <a:p>
-            <a:pPr marL="457200" lvl="0" indent="-304800" rtl="0">
-              <a:spcBef>
-                <a:spcPts val="0"/>
-              </a:spcBef>
-              <a:spcAft>
-                <a:spcPts val="0"/>
-              </a:spcAft>
-              <a:buSzPct val="100000"/>
-              <a:buFont typeface="Arial" panose="020B0604020202020204" pitchFamily="34" charset="0"/>
-              <a:buChar char="•"/>
-            </a:pPr>
-            <a:r>
-              <a:rPr lang="en" sz="1200" dirty="0"/>
-              <a:t>Have you played match 3 games before?</a:t>
-            </a:r>
-          </a:p>
-          <a:p>
-            <a:pPr marL="914400" lvl="1" indent="-304800" rtl="0">
-              <a:spcBef>
-                <a:spcPts val="0"/>
-              </a:spcBef>
-              <a:spcAft>
-                <a:spcPts val="0"/>
-              </a:spcAft>
-              <a:buSzPct val="100000"/>
-              <a:buFont typeface="Arial" panose="020B0604020202020204" pitchFamily="34" charset="0"/>
-              <a:buChar char="•"/>
-            </a:pPr>
-            <a:r>
-              <a:rPr lang="en" dirty="0"/>
-              <a:t>Yes		4</a:t>
-            </a:r>
-          </a:p>
-          <a:p>
-            <a:pPr marL="914400" lvl="1" indent="-304800" rtl="0">
-              <a:spcBef>
-                <a:spcPts val="0"/>
-              </a:spcBef>
-              <a:spcAft>
-                <a:spcPts val="0"/>
-              </a:spcAft>
-              <a:buSzPct val="100000"/>
-              <a:buFont typeface="Arial" panose="020B0604020202020204" pitchFamily="34" charset="0"/>
-              <a:buChar char="•"/>
-            </a:pPr>
-            <a:r>
-              <a:rPr lang="en" dirty="0"/>
-              <a:t>No		0</a:t>
-            </a:r>
-          </a:p>
-          <a:p>
-            <a:pPr marL="914400" lvl="1" indent="-304800" rtl="0">
-              <a:spcBef>
-                <a:spcPts val="0"/>
-              </a:spcBef>
-              <a:spcAft>
-                <a:spcPts val="0"/>
-              </a:spcAft>
-              <a:buSzPct val="100000"/>
-              <a:buFont typeface="Arial" panose="020B0604020202020204" pitchFamily="34" charset="0"/>
-              <a:buChar char="•"/>
-            </a:pPr>
-            <a:r>
-              <a:rPr lang="en" dirty="0"/>
-              <a:t>Maybe	1</a:t>
-            </a:r>
-          </a:p>
-          <a:p>
-            <a:pPr marL="457200" lvl="0" indent="-304800" rtl="0">
-              <a:spcBef>
-                <a:spcPts val="0"/>
-              </a:spcBef>
-              <a:spcAft>
-                <a:spcPts val="0"/>
-              </a:spcAft>
-              <a:buSzPct val="100000"/>
-              <a:buFont typeface="Arial" panose="020B0604020202020204" pitchFamily="34" charset="0"/>
-              <a:buChar char="•"/>
-            </a:pPr>
-            <a:r>
-              <a:rPr lang="en" sz="1200" dirty="0"/>
-              <a:t>Did you reach the endless levels?</a:t>
-            </a:r>
-          </a:p>
-          <a:p>
-            <a:pPr marL="914400" lvl="1" indent="-304800" rtl="0">
-              <a:spcBef>
-                <a:spcPts val="0"/>
-              </a:spcBef>
-              <a:spcAft>
-                <a:spcPts val="0"/>
-              </a:spcAft>
-              <a:buSzPct val="100000"/>
-              <a:buFont typeface="Arial" panose="020B0604020202020204" pitchFamily="34" charset="0"/>
-              <a:buChar char="•"/>
-            </a:pPr>
-            <a:r>
-              <a:rPr lang="en" dirty="0"/>
-              <a:t>Yes 		0</a:t>
-            </a:r>
-          </a:p>
-          <a:p>
-            <a:pPr marL="914400" lvl="1" indent="-304800" rtl="0">
-              <a:spcBef>
-                <a:spcPts val="0"/>
-              </a:spcBef>
-              <a:spcAft>
-                <a:spcPts val="0"/>
-              </a:spcAft>
-              <a:buSzPct val="100000"/>
-              <a:buFont typeface="Arial" panose="020B0604020202020204" pitchFamily="34" charset="0"/>
-              <a:buChar char="•"/>
-            </a:pPr>
-            <a:r>
-              <a:rPr lang="en" dirty="0"/>
-              <a:t>No 		5</a:t>
-            </a:r>
-          </a:p>
-          <a:p>
-            <a:pPr marL="285750" lvl="0" indent="-285750">
-              <a:spcBef>
-                <a:spcPts val="0"/>
-              </a:spcBef>
-              <a:spcAft>
-                <a:spcPts val="0"/>
+                <a:spcPts val="600"/>
               </a:spcAft>
               <a:buFont typeface="Arial" panose="020B0604020202020204" pitchFamily="34" charset="0"/>
               <a:buChar char="•"/>
             </a:pPr>
-            <a:endParaRPr dirty="0"/>
-          </a:p>
-        </p:txBody>
-      </p:sp>
-      <p:sp>
-        <p:nvSpPr>
-          <p:cNvPr id="114" name="Shape 114"/>
-          <p:cNvSpPr txBox="1">
-            <a:spLocks noGrp="1"/>
-          </p:cNvSpPr>
-          <p:nvPr>
-            <p:ph type="body" idx="2"/>
-          </p:nvPr>
-        </p:nvSpPr>
-        <p:spPr>
-          <a:xfrm>
-            <a:off x="4832400" y="1152475"/>
-            <a:ext cx="3999900" cy="3416400"/>
-          </a:xfrm>
-          <a:prstGeom prst="rect">
-            <a:avLst/>
-          </a:prstGeom>
-        </p:spPr>
-        <p:txBody>
-          <a:bodyPr lIns="91425" tIns="91425" rIns="91425" bIns="91425" anchor="t" anchorCtr="0">
-            <a:noAutofit/>
-          </a:bodyPr>
-          <a:lstStyle/>
-          <a:p>
-            <a:pPr lvl="0">
-              <a:spcBef>
-                <a:spcPts val="0"/>
-              </a:spcBef>
-              <a:buNone/>
-            </a:pPr>
             <a:r>
               <a:rPr lang="en" dirty="0"/>
-              <a:t>What did we learn?</a:t>
+              <a:t>Maximize actions per minute (frequency control)</a:t>
             </a:r>
           </a:p>
           <a:p>
-            <a:pPr marL="514350" lvl="0" indent="-285750" rtl="0">
-              <a:spcBef>
-                <a:spcPts val="0"/>
-              </a:spcBef>
+            <a:pPr marL="914400" lvl="1" indent="-342900">
+              <a:spcBef>
+                <a:spcPts val="0"/>
+              </a:spcBef>
+              <a:spcAft>
+                <a:spcPts val="600"/>
+              </a:spcAft>
+              <a:buSzPct val="100000"/>
               <a:buFont typeface="Arial" panose="020B0604020202020204" pitchFamily="34" charset="0"/>
               <a:buChar char="•"/>
             </a:pPr>
             <a:r>
-              <a:rPr lang="en" dirty="0"/>
-              <a:t>We’re pretty bad at making surveys</a:t>
+              <a:rPr lang="en" sz="1800" dirty="0"/>
+              <a:t>We don’t want players sitting around doing nothing</a:t>
             </a:r>
           </a:p>
           <a:p>
-            <a:pPr marL="514350" lvl="0" indent="-285750" rtl="0">
-              <a:spcBef>
-                <a:spcPts val="0"/>
-              </a:spcBef>
+            <a:pPr marL="914400" lvl="1" indent="-342900" rtl="0">
+              <a:spcBef>
+                <a:spcPts val="0"/>
+              </a:spcBef>
+              <a:spcAft>
+                <a:spcPts val="600"/>
+              </a:spcAft>
+              <a:buSzPct val="100000"/>
               <a:buFont typeface="Arial" panose="020B0604020202020204" pitchFamily="34" charset="0"/>
               <a:buChar char="•"/>
             </a:pPr>
             <a:r>
-              <a:rPr lang="en" dirty="0"/>
-              <a:t>Users know what combos are and try to go after them</a:t>
+              <a:rPr lang="en" sz="1800" dirty="0"/>
+              <a:t>We want players to be making moves even if they are low-impact</a:t>
             </a:r>
           </a:p>
           <a:p>
-            <a:pPr marL="514350" lvl="0" indent="-285750" rtl="0">
-              <a:spcBef>
-                <a:spcPts val="0"/>
-              </a:spcBef>
+            <a:pPr marL="514350" lvl="0" indent="-285750">
+              <a:spcBef>
+                <a:spcPts val="0"/>
+              </a:spcBef>
+              <a:spcAft>
+                <a:spcPts val="600"/>
+              </a:spcAft>
               <a:buFont typeface="Arial" panose="020B0604020202020204" pitchFamily="34" charset="0"/>
               <a:buChar char="•"/>
             </a:pPr>
             <a:r>
               <a:rPr lang="en" dirty="0"/>
-              <a:t>The unicode glyphs renders correctly</a:t>
+              <a:t>We want players to be moving throughout the game (so maximize level reached per session)</a:t>
             </a:r>
           </a:p>
           <a:p>
-            <a:pPr marL="514350" lvl="0" indent="-285750" rtl="0">
-              <a:spcBef>
-                <a:spcPts val="0"/>
-              </a:spcBef>
+            <a:pPr marL="914400" lvl="1" indent="-342900">
+              <a:spcBef>
+                <a:spcPts val="0"/>
+              </a:spcBef>
+              <a:spcAft>
+                <a:spcPts val="600"/>
+              </a:spcAft>
+              <a:buSzPct val="100000"/>
               <a:buFont typeface="Arial" panose="020B0604020202020204" pitchFamily="34" charset="0"/>
               <a:buChar char="•"/>
             </a:pPr>
             <a:r>
-              <a:rPr lang="en" dirty="0"/>
-              <a:t>Despite having played match-3 games, a majority of our users were unable to reach the endless levels</a:t>
+              <a:rPr lang="en" sz="1800" dirty="0"/>
+              <a:t>Levels have no time constraint</a:t>
             </a:r>
           </a:p>
           <a:p>
-            <a:pPr lvl="0">
-              <a:spcBef>
-                <a:spcPts val="0"/>
-              </a:spcBef>
-              <a:buNone/>
-            </a:pPr>
-            <a:endParaRPr dirty="0"/>
+            <a:pPr marL="914400" lvl="1" indent="-342900">
+              <a:spcBef>
+                <a:spcPts val="0"/>
+              </a:spcBef>
+              <a:spcAft>
+                <a:spcPts val="600"/>
+              </a:spcAft>
+              <a:buSzPct val="100000"/>
+              <a:buFont typeface="Arial" panose="020B0604020202020204" pitchFamily="34" charset="0"/>
+              <a:buChar char="•"/>
+            </a:pPr>
+            <a:r>
+              <a:rPr lang="en" sz="1800" dirty="0"/>
+              <a:t>You can progress levels by taking the lowest-effort path</a:t>
+            </a:r>
+          </a:p>
+          <a:p>
+            <a:pPr marL="914400" lvl="1" indent="-342900" rtl="0">
+              <a:spcBef>
+                <a:spcPts val="0"/>
+              </a:spcBef>
+              <a:spcAft>
+                <a:spcPts val="600"/>
+              </a:spcAft>
+              <a:buSzPct val="100000"/>
+              <a:buFont typeface="Arial" panose="020B0604020202020204" pitchFamily="34" charset="0"/>
+              <a:buChar char="•"/>
+            </a:pPr>
+            <a:r>
+              <a:rPr lang="en" sz="1800" dirty="0"/>
+              <a:t>Skilled players will complete levels faster but that isn’t visible - No timer</a:t>
+            </a:r>
           </a:p>
         </p:txBody>
       </p:sp>
@@ -5736,7 +5540,7 @@
   <p:cSld>
     <p:spTree>
       <p:nvGrpSpPr>
-        <p:cNvPr id="1" name="Shape 118"/>
+        <p:cNvPr id="1" name="Shape 116"/>
         <p:cNvGrpSpPr/>
         <p:nvPr/>
       </p:nvGrpSpPr>
@@ -5750,7 +5554,507 @@
       </p:grpSpPr>
       <p:sp>
         <p:nvSpPr>
+          <p:cNvPr id="117" name="Shape 117"/>
+          <p:cNvSpPr txBox="1">
+            <a:spLocks noGrp="1"/>
+          </p:cNvSpPr>
+          <p:nvPr>
+            <p:ph type="title"/>
+          </p:nvPr>
+        </p:nvSpPr>
+        <p:spPr>
+          <a:xfrm>
+            <a:off x="311700" y="445025"/>
+            <a:ext cx="8520600" cy="572700"/>
+          </a:xfrm>
+          <a:prstGeom prst="rect">
+            <a:avLst/>
+          </a:prstGeom>
+        </p:spPr>
+        <p:txBody>
+          <a:bodyPr lIns="91425" tIns="91425" rIns="91425" bIns="91425" anchor="t" anchorCtr="0">
+            <a:noAutofit/>
+          </a:bodyPr>
+          <a:lstStyle/>
+          <a:p>
+            <a:pPr lvl="0">
+              <a:spcBef>
+                <a:spcPts val="0"/>
+              </a:spcBef>
+              <a:buNone/>
+            </a:pPr>
+            <a:r>
+              <a:rPr lang="en" dirty="0"/>
+              <a:t>Survey (5 responses total)</a:t>
+            </a:r>
+          </a:p>
+          <a:p>
+            <a:pPr lvl="0">
+              <a:spcBef>
+                <a:spcPts val="0"/>
+              </a:spcBef>
+              <a:buNone/>
+            </a:pPr>
+            <a:endParaRPr dirty="0"/>
+          </a:p>
+        </p:txBody>
+      </p:sp>
+      <p:sp>
+        <p:nvSpPr>
+          <p:cNvPr id="118" name="Shape 118"/>
+          <p:cNvSpPr txBox="1">
+            <a:spLocks noGrp="1"/>
+          </p:cNvSpPr>
+          <p:nvPr>
+            <p:ph type="body" idx="1"/>
+          </p:nvPr>
+        </p:nvSpPr>
+        <p:spPr>
+          <a:xfrm>
+            <a:off x="311700" y="1152475"/>
+            <a:ext cx="3999900" cy="3416400"/>
+          </a:xfrm>
+          <a:prstGeom prst="rect">
+            <a:avLst/>
+          </a:prstGeom>
+        </p:spPr>
+        <p:txBody>
+          <a:bodyPr lIns="91425" tIns="91425" rIns="91425" bIns="91425" anchor="t" anchorCtr="0">
+            <a:noAutofit/>
+          </a:bodyPr>
+          <a:lstStyle/>
+          <a:p>
+            <a:pPr marL="457200" lvl="0" indent="-304800" rtl="0">
+              <a:spcBef>
+                <a:spcPts val="0"/>
+              </a:spcBef>
+              <a:spcAft>
+                <a:spcPts val="0"/>
+              </a:spcAft>
+              <a:buSzPct val="100000"/>
+              <a:buFont typeface="Arial" panose="020B0604020202020204" pitchFamily="34" charset="0"/>
+              <a:buChar char="•"/>
+            </a:pPr>
+            <a:r>
+              <a:rPr lang="en" sz="1200" dirty="0"/>
+              <a:t>Did you try to combo?</a:t>
+            </a:r>
+          </a:p>
+          <a:p>
+            <a:pPr marL="914400" lvl="1" indent="-304800" rtl="0">
+              <a:spcBef>
+                <a:spcPts val="0"/>
+              </a:spcBef>
+              <a:spcAft>
+                <a:spcPts val="0"/>
+              </a:spcAft>
+              <a:buSzPct val="100000"/>
+              <a:buFont typeface="Arial" panose="020B0604020202020204" pitchFamily="34" charset="0"/>
+              <a:buChar char="•"/>
+            </a:pPr>
+            <a:r>
+              <a:rPr lang="en" dirty="0"/>
+              <a:t>Yes		5</a:t>
+            </a:r>
+          </a:p>
+          <a:p>
+            <a:pPr marL="914400" lvl="1" indent="-304800" rtl="0">
+              <a:spcBef>
+                <a:spcPts val="0"/>
+              </a:spcBef>
+              <a:spcAft>
+                <a:spcPts val="0"/>
+              </a:spcAft>
+              <a:buSzPct val="100000"/>
+              <a:buFont typeface="Arial" panose="020B0604020202020204" pitchFamily="34" charset="0"/>
+              <a:buChar char="•"/>
+            </a:pPr>
+            <a:r>
+              <a:rPr lang="en" dirty="0"/>
+              <a:t>No		0</a:t>
+            </a:r>
+          </a:p>
+          <a:p>
+            <a:pPr marL="457200" lvl="0" indent="-304800" rtl="0">
+              <a:spcBef>
+                <a:spcPts val="0"/>
+              </a:spcBef>
+              <a:spcAft>
+                <a:spcPts val="0"/>
+              </a:spcAft>
+              <a:buSzPct val="100000"/>
+              <a:buFont typeface="Arial" panose="020B0604020202020204" pitchFamily="34" charset="0"/>
+              <a:buChar char="•"/>
+            </a:pPr>
+            <a:r>
+              <a:rPr lang="en" sz="1200" dirty="0"/>
+              <a:t>Was it clear to you when combos occurred?</a:t>
+            </a:r>
+          </a:p>
+          <a:p>
+            <a:pPr marL="914400" lvl="1" indent="-304800" rtl="0">
+              <a:spcBef>
+                <a:spcPts val="0"/>
+              </a:spcBef>
+              <a:spcAft>
+                <a:spcPts val="0"/>
+              </a:spcAft>
+              <a:buSzPct val="100000"/>
+              <a:buFont typeface="Arial" panose="020B0604020202020204" pitchFamily="34" charset="0"/>
+              <a:buChar char="•"/>
+            </a:pPr>
+            <a:r>
+              <a:rPr lang="en" dirty="0"/>
+              <a:t>Yes		5</a:t>
+            </a:r>
+          </a:p>
+          <a:p>
+            <a:pPr marL="914400" lvl="1" indent="-304800" rtl="0">
+              <a:spcBef>
+                <a:spcPts val="0"/>
+              </a:spcBef>
+              <a:spcAft>
+                <a:spcPts val="0"/>
+              </a:spcAft>
+              <a:buSzPct val="100000"/>
+              <a:buFont typeface="Arial" panose="020B0604020202020204" pitchFamily="34" charset="0"/>
+              <a:buChar char="•"/>
+            </a:pPr>
+            <a:r>
+              <a:rPr lang="en" dirty="0"/>
+              <a:t>No		0</a:t>
+            </a:r>
+          </a:p>
+          <a:p>
+            <a:pPr marL="914400" lvl="1" indent="-304800" rtl="0">
+              <a:spcBef>
+                <a:spcPts val="0"/>
+              </a:spcBef>
+              <a:spcAft>
+                <a:spcPts val="0"/>
+              </a:spcAft>
+              <a:buSzPct val="100000"/>
+              <a:buFont typeface="Arial" panose="020B0604020202020204" pitchFamily="34" charset="0"/>
+              <a:buChar char="•"/>
+            </a:pPr>
+            <a:r>
+              <a:rPr lang="en" dirty="0"/>
+              <a:t>Maybe	0</a:t>
+            </a:r>
+          </a:p>
+          <a:p>
+            <a:pPr marL="457200" lvl="0" indent="-304800" rtl="0">
+              <a:spcBef>
+                <a:spcPts val="0"/>
+              </a:spcBef>
+              <a:spcAft>
+                <a:spcPts val="0"/>
+              </a:spcAft>
+              <a:buSzPct val="100000"/>
+              <a:buFont typeface="Arial" panose="020B0604020202020204" pitchFamily="34" charset="0"/>
+              <a:buChar char="•"/>
+            </a:pPr>
+            <a:r>
+              <a:rPr lang="en" sz="1200" dirty="0"/>
+              <a:t>Do you think the glyphs looked okay?</a:t>
+            </a:r>
+          </a:p>
+          <a:p>
+            <a:pPr marL="914400" lvl="1" indent="-304800" rtl="0">
+              <a:spcBef>
+                <a:spcPts val="0"/>
+              </a:spcBef>
+              <a:spcAft>
+                <a:spcPts val="0"/>
+              </a:spcAft>
+              <a:buSzPct val="100000"/>
+              <a:buFont typeface="Arial" panose="020B0604020202020204" pitchFamily="34" charset="0"/>
+              <a:buChar char="•"/>
+            </a:pPr>
+            <a:r>
+              <a:rPr lang="en" dirty="0"/>
+              <a:t>Yes		5</a:t>
+            </a:r>
+          </a:p>
+          <a:p>
+            <a:pPr marL="914400" lvl="1" indent="-304800" rtl="0">
+              <a:spcBef>
+                <a:spcPts val="0"/>
+              </a:spcBef>
+              <a:spcAft>
+                <a:spcPts val="0"/>
+              </a:spcAft>
+              <a:buSzPct val="100000"/>
+              <a:buFont typeface="Arial" panose="020B0604020202020204" pitchFamily="34" charset="0"/>
+              <a:buChar char="•"/>
+            </a:pPr>
+            <a:r>
+              <a:rPr lang="en" dirty="0"/>
+              <a:t>No		0</a:t>
+            </a:r>
+          </a:p>
+          <a:p>
+            <a:pPr marL="457200" lvl="0" indent="-304800" rtl="0">
+              <a:spcBef>
+                <a:spcPts val="0"/>
+              </a:spcBef>
+              <a:spcAft>
+                <a:spcPts val="0"/>
+              </a:spcAft>
+              <a:buSzPct val="100000"/>
+              <a:buFont typeface="Arial" panose="020B0604020202020204" pitchFamily="34" charset="0"/>
+              <a:buChar char="•"/>
+            </a:pPr>
+            <a:r>
+              <a:rPr lang="en" sz="1200" dirty="0"/>
+              <a:t>Have you played match 3 games before?</a:t>
+            </a:r>
+          </a:p>
+          <a:p>
+            <a:pPr marL="914400" lvl="1" indent="-304800" rtl="0">
+              <a:spcBef>
+                <a:spcPts val="0"/>
+              </a:spcBef>
+              <a:spcAft>
+                <a:spcPts val="0"/>
+              </a:spcAft>
+              <a:buSzPct val="100000"/>
+              <a:buFont typeface="Arial" panose="020B0604020202020204" pitchFamily="34" charset="0"/>
+              <a:buChar char="•"/>
+            </a:pPr>
+            <a:r>
+              <a:rPr lang="en" dirty="0"/>
+              <a:t>Yes		4</a:t>
+            </a:r>
+          </a:p>
+          <a:p>
+            <a:pPr marL="914400" lvl="1" indent="-304800" rtl="0">
+              <a:spcBef>
+                <a:spcPts val="0"/>
+              </a:spcBef>
+              <a:spcAft>
+                <a:spcPts val="0"/>
+              </a:spcAft>
+              <a:buSzPct val="100000"/>
+              <a:buFont typeface="Arial" panose="020B0604020202020204" pitchFamily="34" charset="0"/>
+              <a:buChar char="•"/>
+            </a:pPr>
+            <a:r>
+              <a:rPr lang="en" dirty="0"/>
+              <a:t>No		0</a:t>
+            </a:r>
+          </a:p>
+          <a:p>
+            <a:pPr marL="914400" lvl="1" indent="-304800" rtl="0">
+              <a:spcBef>
+                <a:spcPts val="0"/>
+              </a:spcBef>
+              <a:spcAft>
+                <a:spcPts val="0"/>
+              </a:spcAft>
+              <a:buSzPct val="100000"/>
+              <a:buFont typeface="Arial" panose="020B0604020202020204" pitchFamily="34" charset="0"/>
+              <a:buChar char="•"/>
+            </a:pPr>
+            <a:r>
+              <a:rPr lang="en" dirty="0"/>
+              <a:t>Maybe	1</a:t>
+            </a:r>
+          </a:p>
+          <a:p>
+            <a:pPr marL="457200" lvl="0" indent="-304800" rtl="0">
+              <a:spcBef>
+                <a:spcPts val="0"/>
+              </a:spcBef>
+              <a:spcAft>
+                <a:spcPts val="0"/>
+              </a:spcAft>
+              <a:buSzPct val="100000"/>
+              <a:buFont typeface="Arial" panose="020B0604020202020204" pitchFamily="34" charset="0"/>
+              <a:buChar char="•"/>
+            </a:pPr>
+            <a:r>
+              <a:rPr lang="en" sz="1200" dirty="0"/>
+              <a:t>Did you reach the endless levels?</a:t>
+            </a:r>
+          </a:p>
+          <a:p>
+            <a:pPr marL="914400" lvl="1" indent="-304800" rtl="0">
+              <a:spcBef>
+                <a:spcPts val="0"/>
+              </a:spcBef>
+              <a:spcAft>
+                <a:spcPts val="0"/>
+              </a:spcAft>
+              <a:buSzPct val="100000"/>
+              <a:buFont typeface="Arial" panose="020B0604020202020204" pitchFamily="34" charset="0"/>
+              <a:buChar char="•"/>
+            </a:pPr>
+            <a:r>
+              <a:rPr lang="en" dirty="0"/>
+              <a:t>Yes 		0</a:t>
+            </a:r>
+          </a:p>
+          <a:p>
+            <a:pPr marL="914400" lvl="1" indent="-304800" rtl="0">
+              <a:spcBef>
+                <a:spcPts val="0"/>
+              </a:spcBef>
+              <a:spcAft>
+                <a:spcPts val="0"/>
+              </a:spcAft>
+              <a:buSzPct val="100000"/>
+              <a:buFont typeface="Arial" panose="020B0604020202020204" pitchFamily="34" charset="0"/>
+              <a:buChar char="•"/>
+            </a:pPr>
+            <a:r>
+              <a:rPr lang="en" dirty="0"/>
+              <a:t>No 		5</a:t>
+            </a:r>
+          </a:p>
+          <a:p>
+            <a:pPr marL="285750" lvl="0" indent="-285750">
+              <a:spcBef>
+                <a:spcPts val="0"/>
+              </a:spcBef>
+              <a:spcAft>
+                <a:spcPts val="0"/>
+              </a:spcAft>
+              <a:buFont typeface="Arial" panose="020B0604020202020204" pitchFamily="34" charset="0"/>
+              <a:buChar char="•"/>
+            </a:pPr>
+            <a:endParaRPr dirty="0"/>
+          </a:p>
+        </p:txBody>
+      </p:sp>
+      <p:sp>
+        <p:nvSpPr>
           <p:cNvPr id="119" name="Shape 119"/>
+          <p:cNvSpPr txBox="1">
+            <a:spLocks noGrp="1"/>
+          </p:cNvSpPr>
+          <p:nvPr>
+            <p:ph type="body" idx="2"/>
+          </p:nvPr>
+        </p:nvSpPr>
+        <p:spPr>
+          <a:xfrm>
+            <a:off x="4832400" y="1152475"/>
+            <a:ext cx="3999900" cy="3416400"/>
+          </a:xfrm>
+          <a:prstGeom prst="rect">
+            <a:avLst/>
+          </a:prstGeom>
+        </p:spPr>
+        <p:txBody>
+          <a:bodyPr lIns="91425" tIns="91425" rIns="91425" bIns="91425" anchor="t" anchorCtr="0">
+            <a:noAutofit/>
+          </a:bodyPr>
+          <a:lstStyle/>
+          <a:p>
+            <a:pPr lvl="0">
+              <a:spcBef>
+                <a:spcPts val="0"/>
+              </a:spcBef>
+              <a:buNone/>
+            </a:pPr>
+            <a:r>
+              <a:rPr lang="en" dirty="0"/>
+              <a:t>What did we learn?</a:t>
+            </a:r>
+          </a:p>
+          <a:p>
+            <a:pPr marL="514350" lvl="0" indent="-285750" rtl="0">
+              <a:spcBef>
+                <a:spcPts val="0"/>
+              </a:spcBef>
+              <a:buFont typeface="Arial" panose="020B0604020202020204" pitchFamily="34" charset="0"/>
+              <a:buChar char="•"/>
+            </a:pPr>
+            <a:r>
+              <a:rPr lang="en" dirty="0"/>
+              <a:t>We’re pretty bad at making surveys</a:t>
+            </a:r>
+          </a:p>
+          <a:p>
+            <a:pPr marL="514350" lvl="0" indent="-285750" rtl="0">
+              <a:spcBef>
+                <a:spcPts val="0"/>
+              </a:spcBef>
+              <a:buFont typeface="Arial" panose="020B0604020202020204" pitchFamily="34" charset="0"/>
+              <a:buChar char="•"/>
+            </a:pPr>
+            <a:r>
+              <a:rPr lang="en" dirty="0"/>
+              <a:t>Users know what combos are and try to go after them</a:t>
+            </a:r>
+          </a:p>
+          <a:p>
+            <a:pPr marL="514350" lvl="0" indent="-285750" rtl="0">
+              <a:spcBef>
+                <a:spcPts val="0"/>
+              </a:spcBef>
+              <a:buFont typeface="Arial" panose="020B0604020202020204" pitchFamily="34" charset="0"/>
+              <a:buChar char="•"/>
+            </a:pPr>
+            <a:r>
+              <a:rPr lang="en" dirty="0"/>
+              <a:t>The unicode glyphs render correctly, provided we properly test them on the target hardware</a:t>
+            </a:r>
+          </a:p>
+          <a:p>
+            <a:pPr marL="514350" lvl="0" indent="-285750" rtl="0">
+              <a:spcBef>
+                <a:spcPts val="0"/>
+              </a:spcBef>
+              <a:buFont typeface="Arial" panose="020B0604020202020204" pitchFamily="34" charset="0"/>
+              <a:buChar char="•"/>
+            </a:pPr>
+            <a:r>
+              <a:rPr lang="en" dirty="0"/>
+              <a:t>Despite having played match-3 games, a majority of our users were unable to reach the endless levels</a:t>
+            </a:r>
+          </a:p>
+          <a:p>
+            <a:pPr marL="285750" lvl="0" indent="-285750">
+              <a:spcBef>
+                <a:spcPts val="0"/>
+              </a:spcBef>
+              <a:buFont typeface="Arial" panose="020B0604020202020204" pitchFamily="34" charset="0"/>
+              <a:buChar char="•"/>
+            </a:pPr>
+            <a:endParaRPr dirty="0"/>
+          </a:p>
+        </p:txBody>
+      </p:sp>
+    </p:spTree>
+  </p:cSld>
+  <p:clrMapOvr>
+    <a:masterClrMapping/>
+  </p:clrMapOvr>
+</p:sld>
+</file>
+
+<file path=ppt/slides/slide12.xml><?xml version="1.0" encoding="utf-8"?>
+<p:sld xmlns:a="http://schemas.openxmlformats.org/drawingml/2006/main" xmlns:r="http://schemas.openxmlformats.org/officeDocument/2006/relationships" xmlns:p="http://schemas.openxmlformats.org/presentationml/2006/main">
+  <p:cSld>
+    <p:spTree>
+      <p:nvGrpSpPr>
+        <p:cNvPr id="1" name="Shape 123"/>
+        <p:cNvGrpSpPr/>
+        <p:nvPr/>
+      </p:nvGrpSpPr>
+      <p:grpSpPr>
+        <a:xfrm>
+          <a:off x="0" y="0"/>
+          <a:ext cx="0" cy="0"/>
+          <a:chOff x="0" y="0"/>
+          <a:chExt cx="0" cy="0"/>
+        </a:xfrm>
+      </p:grpSpPr>
+      <p:sp>
+        <p:nvSpPr>
+          <p:cNvPr id="124" name="Shape 124"/>
           <p:cNvSpPr txBox="1">
             <a:spLocks noGrp="1"/>
           </p:cNvSpPr>
@@ -5922,7 +6226,7 @@
             </a:pPr>
             <a:r>
               <a:rPr lang="en" dirty="0"/>
-              <a:t>Simple tutorial showing controls</a:t>
+              <a:t>Simple controls, with a strong tutorial</a:t>
             </a:r>
           </a:p>
           <a:p>
@@ -5935,18 +6239,7 @@
             </a:pPr>
             <a:r>
               <a:rPr lang="en" dirty="0"/>
-              <a:t>Short levels</a:t>
-            </a:r>
-          </a:p>
-          <a:p>
-            <a:pPr lvl="0" rtl="0">
-              <a:spcBef>
-                <a:spcPts val="0"/>
-              </a:spcBef>
-            </a:pPr>
-            <a:r>
-              <a:rPr lang="en" dirty="0"/>
-              <a:t>Nothing has changed</a:t>
+              <a:t>Quick levels with score not time progression</a:t>
             </a:r>
           </a:p>
         </p:txBody>
@@ -6069,7 +6362,7 @@
             </a:pPr>
             <a:r>
               <a:rPr lang="en" dirty="0"/>
-              <a:t>Maximum size: 10x10</a:t>
+              <a:t>Small maximum size: 10x10</a:t>
             </a:r>
           </a:p>
           <a:p>
@@ -6082,7 +6375,7 @@
             </a:pPr>
             <a:r>
               <a:rPr lang="en" dirty="0"/>
-              <a:t>Simple audio cues for making matches</a:t>
+              <a:t>Audio and visual feedback for making matches</a:t>
             </a:r>
           </a:p>
           <a:p>
@@ -6095,32 +6388,7 @@
             </a:pPr>
             <a:r>
               <a:rPr lang="en" dirty="0"/>
-              <a:t>Advanced audio cues for making a chain</a:t>
-            </a:r>
-          </a:p>
-          <a:p>
-            <a:pPr marL="971550" lvl="1" indent="-285750" rtl="0">
-              <a:spcBef>
-                <a:spcPts val="0"/>
-              </a:spcBef>
-              <a:buFont typeface="Arial" panose="020B0604020202020204" pitchFamily="34" charset="0"/>
-              <a:buChar char="•"/>
-            </a:pPr>
-            <a:r>
-              <a:rPr lang="en" dirty="0"/>
-              <a:t>Changed from combo to chain</a:t>
-            </a:r>
-          </a:p>
-          <a:p>
-            <a:pPr lvl="0" rtl="0">
-              <a:spcBef>
-                <a:spcPts val="0"/>
-              </a:spcBef>
-              <a:buNone/>
-            </a:pPr>
-            <a:r>
-              <a:rPr lang="en" dirty="0"/>
-              <a:t>Nothing has changed</a:t>
+              <a:t>Audio and visual feedback for making chains</a:t>
             </a:r>
           </a:p>
         </p:txBody>
@@ -6157,13 +6425,13 @@
             <a:spLocks noGrp="1"/>
           </p:cNvSpPr>
           <p:nvPr>
-            <p:ph type="title"/>
-          </p:nvPr>
-        </p:nvSpPr>
-        <p:spPr>
-          <a:xfrm>
-            <a:off x="311700" y="445025"/>
-            <a:ext cx="8520600" cy="572700"/>
+            <p:ph type="body" idx="1"/>
+          </p:nvPr>
+        </p:nvSpPr>
+        <p:spPr>
+          <a:xfrm>
+            <a:off x="311700" y="1152475"/>
+            <a:ext cx="8520600" cy="3416400"/>
           </a:xfrm>
           <a:prstGeom prst="rect">
             <a:avLst/>
@@ -6175,15 +6443,159 @@
           </a:bodyPr>
           <a:lstStyle/>
           <a:p>
-            <a:pPr lvl="0">
-              <a:spcBef>
-                <a:spcPts val="0"/>
-              </a:spcBef>
-              <a:buNone/>
+            <a:pPr marL="514350" lvl="0" indent="-285750" rtl="0">
+              <a:lnSpc>
+                <a:spcPct val="100000"/>
+              </a:lnSpc>
+              <a:spcBef>
+                <a:spcPts val="0"/>
+              </a:spcBef>
+              <a:spcAft>
+                <a:spcPts val="1200"/>
+              </a:spcAft>
+              <a:buFont typeface="Arial" panose="020B0604020202020204" pitchFamily="34" charset="0"/>
+              <a:buChar char="•"/>
             </a:pPr>
             <a:r>
-              <a:rPr lang="en"/>
-              <a:t>Playtesting</a:t>
+              <a:rPr lang="en" dirty="0"/>
+              <a:t>Moves don’t need to make matches / Users don’t make chains</a:t>
+            </a:r>
+          </a:p>
+          <a:p>
+            <a:pPr marL="914400" lvl="1" indent="-342900" rtl="0">
+              <a:lnSpc>
+                <a:spcPct val="100000"/>
+              </a:lnSpc>
+              <a:spcBef>
+                <a:spcPts val="0"/>
+              </a:spcBef>
+              <a:spcAft>
+                <a:spcPts val="1200"/>
+              </a:spcAft>
+              <a:buSzPct val="100000"/>
+              <a:buFont typeface="Arial" panose="020B0604020202020204" pitchFamily="34" charset="0"/>
+              <a:buChar char="•"/>
+            </a:pPr>
+            <a:r>
+              <a:rPr lang="en" sz="1800" dirty="0"/>
+              <a:t>Reworked the tutorial</a:t>
+            </a:r>
+          </a:p>
+          <a:p>
+            <a:pPr marL="514350" lvl="0" indent="-285750" rtl="0">
+              <a:lnSpc>
+                <a:spcPct val="100000"/>
+              </a:lnSpc>
+              <a:spcBef>
+                <a:spcPts val="0"/>
+              </a:spcBef>
+              <a:spcAft>
+                <a:spcPts val="1200"/>
+              </a:spcAft>
+              <a:buFont typeface="Arial" panose="020B0604020202020204" pitchFamily="34" charset="0"/>
+              <a:buChar char="•"/>
+            </a:pPr>
+            <a:r>
+              <a:rPr lang="en" dirty="0"/>
+              <a:t>Make the game more eventful</a:t>
+            </a:r>
+          </a:p>
+          <a:p>
+            <a:pPr marL="914400" lvl="1" indent="-342900" rtl="0">
+              <a:lnSpc>
+                <a:spcPct val="100000"/>
+              </a:lnSpc>
+              <a:spcBef>
+                <a:spcPts val="0"/>
+              </a:spcBef>
+              <a:spcAft>
+                <a:spcPts val="1200"/>
+              </a:spcAft>
+              <a:buSzPct val="100000"/>
+              <a:buFont typeface="Arial" panose="020B0604020202020204" pitchFamily="34" charset="0"/>
+              <a:buChar char="•"/>
+            </a:pPr>
+            <a:r>
+              <a:rPr lang="en" sz="1800" dirty="0"/>
+              <a:t>Added another sound effect and colored clears</a:t>
+            </a:r>
+          </a:p>
+          <a:p>
+            <a:pPr marL="514350" lvl="0" indent="-285750" rtl="0">
+              <a:lnSpc>
+                <a:spcPct val="100000"/>
+              </a:lnSpc>
+              <a:spcBef>
+                <a:spcPts val="0"/>
+              </a:spcBef>
+              <a:spcAft>
+                <a:spcPts val="1200"/>
+              </a:spcAft>
+              <a:buFont typeface="Arial" panose="020B0604020202020204" pitchFamily="34" charset="0"/>
+              <a:buChar char="•"/>
+            </a:pPr>
+            <a:r>
+              <a:rPr lang="en" dirty="0"/>
+              <a:t>Bugfixes</a:t>
+            </a:r>
+          </a:p>
+          <a:p>
+            <a:pPr marL="914400" lvl="1" indent="-342900" rtl="0">
+              <a:lnSpc>
+                <a:spcPct val="100000"/>
+              </a:lnSpc>
+              <a:spcBef>
+                <a:spcPts val="0"/>
+              </a:spcBef>
+              <a:spcAft>
+                <a:spcPts val="1200"/>
+              </a:spcAft>
+              <a:buSzPct val="100000"/>
+              <a:buFont typeface="Arial" panose="020B0604020202020204" pitchFamily="34" charset="0"/>
+              <a:buChar char="•"/>
+            </a:pPr>
+            <a:r>
+              <a:rPr lang="en" sz="1800" dirty="0"/>
+              <a:t>Possible to fail the tutorial, possible auto-win levels</a:t>
+            </a:r>
+          </a:p>
+          <a:p>
+            <a:pPr marL="514350" lvl="0" indent="-285750" rtl="0">
+              <a:lnSpc>
+                <a:spcPct val="100000"/>
+              </a:lnSpc>
+              <a:spcBef>
+                <a:spcPts val="0"/>
+              </a:spcBef>
+              <a:spcAft>
+                <a:spcPts val="1200"/>
+              </a:spcAft>
+              <a:buFont typeface="Arial" panose="020B0604020202020204" pitchFamily="34" charset="0"/>
+              <a:buChar char="•"/>
+            </a:pPr>
+            <a:r>
+              <a:rPr lang="en" dirty="0"/>
+              <a:t>Misleading cover image</a:t>
+            </a:r>
+          </a:p>
+          <a:p>
+            <a:pPr marL="914400" lvl="1" indent="-342900" rtl="0">
+              <a:lnSpc>
+                <a:spcPct val="100000"/>
+              </a:lnSpc>
+              <a:spcBef>
+                <a:spcPts val="0"/>
+              </a:spcBef>
+              <a:spcAft>
+                <a:spcPts val="1200"/>
+              </a:spcAft>
+              <a:buSzPct val="100000"/>
+              <a:buFont typeface="Arial" panose="020B0604020202020204" pitchFamily="34" charset="0"/>
+              <a:buChar char="•"/>
+            </a:pPr>
+            <a:r>
+              <a:rPr lang="en" sz="1800" dirty="0"/>
+              <a:t>Updated to newer graphics and all icons</a:t>
             </a:r>
           </a:p>
         </p:txBody>
@@ -6195,13 +6607,13 @@
             <a:spLocks noGrp="1"/>
           </p:cNvSpPr>
           <p:nvPr>
-            <p:ph type="body" idx="1"/>
-          </p:nvPr>
-        </p:nvSpPr>
-        <p:spPr>
-          <a:xfrm>
-            <a:off x="311700" y="1152475"/>
-            <a:ext cx="8520600" cy="3416400"/>
+            <p:ph type="title"/>
+          </p:nvPr>
+        </p:nvSpPr>
+        <p:spPr>
+          <a:xfrm>
+            <a:off x="311700" y="445025"/>
+            <a:ext cx="8520600" cy="572700"/>
           </a:xfrm>
           <a:prstGeom prst="rect">
             <a:avLst/>
@@ -6213,193 +6625,15 @@
           </a:bodyPr>
           <a:lstStyle/>
           <a:p>
-            <a:pPr marL="514350" lvl="0" indent="-285750" rtl="0">
-              <a:lnSpc>
-                <a:spcPct val="100000"/>
-              </a:lnSpc>
-              <a:spcBef>
-                <a:spcPts val="0"/>
-              </a:spcBef>
-              <a:spcAft>
-                <a:spcPts val="600"/>
-              </a:spcAft>
-              <a:buFont typeface="Arial" panose="020B0604020202020204" pitchFamily="34" charset="0"/>
-              <a:buChar char="•"/>
+            <a:pPr lvl="0">
+              <a:spcBef>
+                <a:spcPts val="0"/>
+              </a:spcBef>
+              <a:buNone/>
             </a:pPr>
             <a:r>
-              <a:rPr lang="en" dirty="0"/>
-              <a:t>Instructions are unclear. You don't need to make a match on every move. </a:t>
-            </a:r>
-          </a:p>
-          <a:p>
-            <a:pPr marL="971550" lvl="1" indent="-285750" rtl="0">
-              <a:lnSpc>
-                <a:spcPct val="100000"/>
-              </a:lnSpc>
-              <a:spcBef>
-                <a:spcPts val="0"/>
-              </a:spcBef>
-              <a:spcAft>
-                <a:spcPts val="600"/>
-              </a:spcAft>
-              <a:buFont typeface="Arial" panose="020B0604020202020204" pitchFamily="34" charset="0"/>
-              <a:buChar char="•"/>
-            </a:pPr>
-            <a:r>
-              <a:rPr lang="en" sz="1800" dirty="0"/>
-              <a:t>Changed first and second tutorial level</a:t>
-            </a:r>
-          </a:p>
-          <a:p>
-            <a:pPr marL="514350" lvl="0" indent="-285750" rtl="0">
-              <a:lnSpc>
-                <a:spcPct val="100000"/>
-              </a:lnSpc>
-              <a:spcBef>
-                <a:spcPts val="0"/>
-              </a:spcBef>
-              <a:spcAft>
-                <a:spcPts val="600"/>
-              </a:spcAft>
-              <a:buFont typeface="Arial" panose="020B0604020202020204" pitchFamily="34" charset="0"/>
-              <a:buChar char="•"/>
-            </a:pPr>
-            <a:r>
-              <a:rPr lang="en" dirty="0"/>
-              <a:t>Make the game more eventful</a:t>
-            </a:r>
-          </a:p>
-          <a:p>
-            <a:pPr marL="971550" lvl="1" indent="-285750" rtl="0">
-              <a:lnSpc>
-                <a:spcPct val="100000"/>
-              </a:lnSpc>
-              <a:spcBef>
-                <a:spcPts val="0"/>
-              </a:spcBef>
-              <a:spcAft>
-                <a:spcPts val="600"/>
-              </a:spcAft>
-              <a:buFont typeface="Arial" panose="020B0604020202020204" pitchFamily="34" charset="0"/>
-              <a:buChar char="•"/>
-            </a:pPr>
-            <a:r>
-              <a:rPr lang="en" sz="1800" dirty="0"/>
-              <a:t>Added another sound effect</a:t>
-            </a:r>
-          </a:p>
-          <a:p>
-            <a:pPr marL="514350" lvl="0" indent="-285750" rtl="0">
-              <a:lnSpc>
-                <a:spcPct val="100000"/>
-              </a:lnSpc>
-              <a:spcBef>
-                <a:spcPts val="0"/>
-              </a:spcBef>
-              <a:spcAft>
-                <a:spcPts val="600"/>
-              </a:spcAft>
-              <a:buFont typeface="Arial" panose="020B0604020202020204" pitchFamily="34" charset="0"/>
-              <a:buChar char="•"/>
-            </a:pPr>
-            <a:r>
-              <a:rPr lang="en" dirty="0"/>
-              <a:t>Users don't really utilize chains very much</a:t>
-            </a:r>
-          </a:p>
-          <a:p>
-            <a:pPr marL="971550" lvl="1" indent="-285750">
-              <a:lnSpc>
-                <a:spcPct val="100000"/>
-              </a:lnSpc>
-              <a:spcBef>
-                <a:spcPts val="0"/>
-              </a:spcBef>
-              <a:spcAft>
-                <a:spcPts val="600"/>
-              </a:spcAft>
-              <a:buFont typeface="Arial" panose="020B0604020202020204" pitchFamily="34" charset="0"/>
-              <a:buChar char="•"/>
-            </a:pPr>
-            <a:r>
-              <a:rPr lang="en" sz="1800" dirty="0"/>
-              <a:t>Added third tutorial</a:t>
-            </a:r>
-          </a:p>
-          <a:p>
-            <a:pPr marL="514350" lvl="0" indent="-285750" rtl="0">
-              <a:lnSpc>
-                <a:spcPct val="100000"/>
-              </a:lnSpc>
-              <a:spcBef>
-                <a:spcPts val="0"/>
-              </a:spcBef>
-              <a:spcAft>
-                <a:spcPts val="600"/>
-              </a:spcAft>
-              <a:buFont typeface="Arial" panose="020B0604020202020204" pitchFamily="34" charset="0"/>
-              <a:buChar char="•"/>
-            </a:pPr>
-            <a:r>
-              <a:rPr lang="en" dirty="0"/>
-              <a:t>Bug: It's possible to fail the tutorial</a:t>
-            </a:r>
-          </a:p>
-          <a:p>
-            <a:pPr marL="971550" lvl="1" indent="-285750" rtl="0">
-              <a:lnSpc>
-                <a:spcPct val="100000"/>
-              </a:lnSpc>
-              <a:spcBef>
-                <a:spcPts val="0"/>
-              </a:spcBef>
-              <a:spcAft>
-                <a:spcPts val="600"/>
-              </a:spcAft>
-              <a:buFont typeface="Arial" panose="020B0604020202020204" pitchFamily="34" charset="0"/>
-              <a:buChar char="•"/>
-            </a:pPr>
-            <a:r>
-              <a:rPr lang="en" sz="1800" dirty="0"/>
-              <a:t>Fixed</a:t>
-            </a:r>
-          </a:p>
-          <a:p>
-            <a:pPr marL="514350" lvl="0" indent="-285750" rtl="0">
-              <a:lnSpc>
-                <a:spcPct val="100000"/>
-              </a:lnSpc>
-              <a:spcBef>
-                <a:spcPts val="0"/>
-              </a:spcBef>
-              <a:spcAft>
-                <a:spcPts val="600"/>
-              </a:spcAft>
-              <a:buFont typeface="Arial" panose="020B0604020202020204" pitchFamily="34" charset="0"/>
-              <a:buChar char="•"/>
-            </a:pPr>
-            <a:r>
-              <a:rPr lang="en" dirty="0"/>
-              <a:t>Matches should be the color of the tile(s) matched and drops and swaps should stay white</a:t>
-            </a:r>
-          </a:p>
-          <a:p>
-            <a:pPr marL="971550" lvl="1" indent="-285750" rtl="0">
-              <a:lnSpc>
-                <a:spcPct val="100000"/>
-              </a:lnSpc>
-              <a:spcBef>
-                <a:spcPts val="0"/>
-              </a:spcBef>
-              <a:spcAft>
-                <a:spcPts val="600"/>
-              </a:spcAft>
-              <a:buFont typeface="Arial" panose="020B0604020202020204" pitchFamily="34" charset="0"/>
-              <a:buChar char="•"/>
-            </a:pPr>
-            <a:r>
-              <a:rPr lang="en" sz="1800" dirty="0"/>
-              <a:t>Done</a:t>
+              <a:rPr lang="en"/>
+              <a:t>Response to playtesting</a:t>
             </a:r>
           </a:p>
         </p:txBody>
@@ -6460,10 +6694,7 @@
               </a:spcBef>
               <a:buNone/>
             </a:pPr>
-            <a:r>
-              <a:rPr lang="en"/>
-              <a:t>Critique</a:t>
-            </a:r>
+            <a:endParaRPr/>
           </a:p>
         </p:txBody>
       </p:sp>
@@ -6492,111 +6723,44 @@
           </a:bodyPr>
           <a:lstStyle/>
           <a:p>
-            <a:pPr marL="514350" lvl="0" indent="-285750" rtl="0">
-              <a:spcBef>
-                <a:spcPts val="0"/>
-              </a:spcBef>
-              <a:buFont typeface="Arial" panose="020B0604020202020204" pitchFamily="34" charset="0"/>
-              <a:buChar char="•"/>
-            </a:pPr>
-            <a:r>
-              <a:rPr lang="en" dirty="0"/>
-              <a:t>Change title</a:t>
-            </a:r>
-          </a:p>
-          <a:p>
-            <a:pPr marL="971550" lvl="1" indent="-285750" rtl="0">
-              <a:spcBef>
-                <a:spcPts val="0"/>
-              </a:spcBef>
-              <a:buFont typeface="Arial" panose="020B0604020202020204" pitchFamily="34" charset="0"/>
-              <a:buChar char="•"/>
-            </a:pPr>
-            <a:r>
-              <a:rPr lang="en" dirty="0"/>
-              <a:t>Done</a:t>
-            </a:r>
-          </a:p>
-          <a:p>
-            <a:pPr marL="514350" lvl="0" indent="-285750" rtl="0">
-              <a:spcBef>
-                <a:spcPts val="0"/>
-              </a:spcBef>
-              <a:buFont typeface="Arial" panose="020B0604020202020204" pitchFamily="34" charset="0"/>
-              <a:buChar char="•"/>
-            </a:pPr>
-            <a:r>
-              <a:rPr lang="en" dirty="0"/>
-              <a:t>Change cover image</a:t>
-            </a:r>
-          </a:p>
-          <a:p>
-            <a:pPr marL="971550" lvl="1" indent="-285750" rtl="0">
-              <a:spcBef>
-                <a:spcPts val="0"/>
-              </a:spcBef>
-              <a:buFont typeface="Arial" panose="020B0604020202020204" pitchFamily="34" charset="0"/>
-              <a:buChar char="•"/>
-            </a:pPr>
-            <a:r>
-              <a:rPr lang="en" dirty="0"/>
-              <a:t>Done</a:t>
-            </a:r>
-          </a:p>
-          <a:p>
-            <a:pPr marL="514350" lvl="0" indent="-285750" rtl="0">
-              <a:spcBef>
-                <a:spcPts val="0"/>
-              </a:spcBef>
-              <a:buFont typeface="Arial" panose="020B0604020202020204" pitchFamily="34" charset="0"/>
-              <a:buChar char="•"/>
-            </a:pPr>
-            <a:r>
-              <a:rPr lang="en" dirty="0"/>
-              <a:t>Row-by-row drops</a:t>
-            </a:r>
-          </a:p>
-          <a:p>
-            <a:pPr marL="971550" lvl="1" indent="-285750" rtl="0">
-              <a:spcBef>
-                <a:spcPts val="0"/>
-              </a:spcBef>
-              <a:buFont typeface="Arial" panose="020B0604020202020204" pitchFamily="34" charset="0"/>
-              <a:buChar char="•"/>
-            </a:pPr>
-            <a:r>
-              <a:rPr lang="en" dirty="0"/>
-              <a:t>Done</a:t>
-            </a:r>
-          </a:p>
-          <a:p>
-            <a:pPr marL="514350" lvl="0" indent="-285750" rtl="0">
-              <a:spcBef>
-                <a:spcPts val="0"/>
-              </a:spcBef>
-              <a:buFont typeface="Arial" panose="020B0604020202020204" pitchFamily="34" charset="0"/>
-              <a:buChar char="•"/>
-            </a:pPr>
-            <a:r>
-              <a:rPr lang="en" dirty="0"/>
-              <a:t>Make randomizer less aggressive</a:t>
-            </a:r>
-          </a:p>
-          <a:p>
-            <a:pPr marL="971550" lvl="1" indent="-285750">
-              <a:spcBef>
-                <a:spcPts val="0"/>
-              </a:spcBef>
-              <a:buFont typeface="Arial" panose="020B0604020202020204" pitchFamily="34" charset="0"/>
-              <a:buChar char="•"/>
-            </a:pPr>
-            <a:r>
-              <a:rPr lang="en" dirty="0"/>
-              <a:t>Done</a:t>
-            </a:r>
+            <a:pPr lvl="0">
+              <a:spcBef>
+                <a:spcPts val="0"/>
+              </a:spcBef>
+              <a:buNone/>
+            </a:pPr>
+            <a:endParaRPr/>
           </a:p>
         </p:txBody>
       </p:sp>
+      <p:pic>
+        <p:nvPicPr>
+          <p:cNvPr id="80" name="Shape 80"/>
+          <p:cNvPicPr preferRelativeResize="0"/>
+          <p:nvPr/>
+        </p:nvPicPr>
+        <p:blipFill>
+          <a:blip r:embed="rId3">
+            <a:alphaModFix/>
+          </a:blip>
+          <a:stretch>
+            <a:fillRect/>
+          </a:stretch>
+        </p:blipFill>
+        <p:spPr>
+          <a:xfrm>
+            <a:off x="1822775" y="445025"/>
+            <a:ext cx="5498458" cy="4123849"/>
+          </a:xfrm>
+          <a:prstGeom prst="rect">
+            <a:avLst/>
+          </a:prstGeom>
+          <a:noFill/>
+          <a:ln>
+            <a:noFill/>
+          </a:ln>
+        </p:spPr>
+      </p:pic>
     </p:spTree>
   </p:cSld>
   <p:clrMapOvr>
@@ -6610,7 +6774,7 @@
   <p:cSld>
     <p:spTree>
       <p:nvGrpSpPr>
-        <p:cNvPr id="1" name="Shape 83"/>
+        <p:cNvPr id="1" name="Shape 84"/>
         <p:cNvGrpSpPr/>
         <p:nvPr/>
       </p:nvGrpSpPr>
@@ -6624,56 +6788,18 @@
       </p:grpSpPr>
       <p:sp>
         <p:nvSpPr>
-          <p:cNvPr id="84" name="Shape 84"/>
-          <p:cNvSpPr txBox="1">
-            <a:spLocks noGrp="1"/>
-          </p:cNvSpPr>
-          <p:nvPr>
-            <p:ph type="ctrTitle"/>
-          </p:nvPr>
-        </p:nvSpPr>
-        <p:spPr>
-          <a:xfrm>
-            <a:off x="311708" y="744575"/>
-            <a:ext cx="8520600" cy="2052600"/>
-          </a:xfrm>
-          <a:prstGeom prst="rect">
-            <a:avLst/>
-          </a:prstGeom>
-        </p:spPr>
-        <p:txBody>
-          <a:bodyPr lIns="91425" tIns="91425" rIns="91425" bIns="91425" anchor="b" anchorCtr="0">
-            <a:noAutofit/>
-          </a:bodyPr>
-          <a:lstStyle/>
-          <a:p>
-            <a:pPr lvl="0">
-              <a:spcBef>
-                <a:spcPts val="0"/>
-              </a:spcBef>
-              <a:buNone/>
-            </a:pPr>
-            <a:r>
-              <a:rPr lang="en"/>
-              <a:t>Demo time!</a:t>
-            </a:r>
-          </a:p>
-        </p:txBody>
-      </p:sp>
-      <p:sp>
-        <p:nvSpPr>
           <p:cNvPr id="85" name="Shape 85"/>
           <p:cNvSpPr txBox="1">
             <a:spLocks noGrp="1"/>
           </p:cNvSpPr>
           <p:nvPr>
-            <p:ph type="subTitle" idx="1"/>
-          </p:nvPr>
-        </p:nvSpPr>
-        <p:spPr>
-          <a:xfrm>
-            <a:off x="311700" y="2834125"/>
-            <a:ext cx="8520600" cy="792600"/>
+            <p:ph type="title"/>
+          </p:nvPr>
+        </p:nvSpPr>
+        <p:spPr>
+          <a:xfrm>
+            <a:off x="311700" y="445025"/>
+            <a:ext cx="8520600" cy="572700"/>
           </a:xfrm>
           <a:prstGeom prst="rect">
             <a:avLst/>
@@ -6691,36 +6817,78 @@
               </a:spcBef>
               <a:buNone/>
             </a:pPr>
-            <a:r>
-              <a:rPr lang="en" u="sng" dirty="0">
-                <a:solidFill>
-                  <a:schemeClr val="hlink"/>
-                </a:solidFill>
-                <a:hlinkClick r:id="rId3"/>
-              </a:rPr>
-              <a:t>Final Version</a:t>
-            </a:r>
-            <a:endParaRPr lang="en" u="sng" dirty="0">
-              <a:solidFill>
-                <a:schemeClr val="hlink"/>
-              </a:solidFill>
-              <a:hlinkClick r:id="rId4"/>
-            </a:endParaRPr>
+            <a:endParaRPr/>
           </a:p>
         </p:txBody>
       </p:sp>
+      <p:sp>
+        <p:nvSpPr>
+          <p:cNvPr id="86" name="Shape 86"/>
+          <p:cNvSpPr txBox="1">
+            <a:spLocks noGrp="1"/>
+          </p:cNvSpPr>
+          <p:nvPr>
+            <p:ph type="body" idx="1"/>
+          </p:nvPr>
+        </p:nvSpPr>
+        <p:spPr>
+          <a:xfrm>
+            <a:off x="311700" y="1152475"/>
+            <a:ext cx="8520600" cy="3416400"/>
+          </a:xfrm>
+          <a:prstGeom prst="rect">
+            <a:avLst/>
+          </a:prstGeom>
+        </p:spPr>
+        <p:txBody>
+          <a:bodyPr lIns="91425" tIns="91425" rIns="91425" bIns="91425" anchor="t" anchorCtr="0">
+            <a:noAutofit/>
+          </a:bodyPr>
+          <a:lstStyle/>
+          <a:p>
+            <a:pPr lvl="0">
+              <a:spcBef>
+                <a:spcPts val="0"/>
+              </a:spcBef>
+              <a:buNone/>
+            </a:pPr>
+            <a:endParaRPr/>
+          </a:p>
+        </p:txBody>
+      </p:sp>
+      <p:pic>
+        <p:nvPicPr>
+          <p:cNvPr id="87" name="Shape 87"/>
+          <p:cNvPicPr preferRelativeResize="0"/>
+          <p:nvPr/>
+        </p:nvPicPr>
+        <p:blipFill>
+          <a:blip r:embed="rId3">
+            <a:alphaModFix/>
+          </a:blip>
+          <a:stretch>
+            <a:fillRect/>
+          </a:stretch>
+        </p:blipFill>
+        <p:spPr>
+          <a:xfrm>
+            <a:off x="1822762" y="445025"/>
+            <a:ext cx="5498466" cy="4123849"/>
+          </a:xfrm>
+          <a:prstGeom prst="rect">
+            <a:avLst/>
+          </a:prstGeom>
+          <a:noFill/>
+          <a:ln>
+            <a:noFill/>
+          </a:ln>
+        </p:spPr>
+      </p:pic>
     </p:spTree>
   </p:cSld>
   <p:clrMapOvr>
     <a:masterClrMapping/>
   </p:clrMapOvr>
-  <p:timing>
-    <p:tnLst>
-      <p:par>
-        <p:cTn id="1" dur="indefinite" restart="never" nodeType="tmRoot"/>
-      </p:par>
-    </p:tnLst>
-  </p:timing>
 </p:sld>
 </file>
 
@@ -6729,7 +6897,7 @@
   <p:cSld>
     <p:spTree>
       <p:nvGrpSpPr>
-        <p:cNvPr id="1" name="Shape 89"/>
+        <p:cNvPr id="1" name="Shape 91"/>
         <p:cNvGrpSpPr/>
         <p:nvPr/>
       </p:nvGrpSpPr>
@@ -6743,7 +6911,7 @@
       </p:grpSpPr>
       <p:sp>
         <p:nvSpPr>
-          <p:cNvPr id="90" name="Shape 90"/>
+          <p:cNvPr id="92" name="Shape 92"/>
           <p:cNvSpPr txBox="1">
             <a:spLocks noGrp="1"/>
           </p:cNvSpPr>
@@ -6772,16 +6940,13 @@
               </a:spcBef>
               <a:buNone/>
             </a:pPr>
-            <a:r>
-              <a:rPr lang="en"/>
-              <a:t>Experience Goals (recap)</a:t>
-            </a:r>
+            <a:endParaRPr/>
           </a:p>
         </p:txBody>
       </p:sp>
       <p:sp>
         <p:nvSpPr>
-          <p:cNvPr id="91" name="Shape 91"/>
+          <p:cNvPr id="93" name="Shape 93"/>
           <p:cNvSpPr txBox="1">
             <a:spLocks noGrp="1"/>
           </p:cNvSpPr>
@@ -6804,128 +6969,49 @@
           </a:bodyPr>
           <a:lstStyle/>
           <a:p>
-            <a:pPr marL="514350" lvl="0" indent="-285750">
-              <a:spcBef>
-                <a:spcPts val="0"/>
-              </a:spcBef>
-              <a:buFont typeface="Arial" panose="020B0604020202020204" pitchFamily="34" charset="0"/>
-              <a:buChar char="•"/>
-            </a:pPr>
-            <a:r>
-              <a:rPr lang="en" sz="1200" dirty="0"/>
-              <a:t>Maximize actions per minute (frequency control)</a:t>
-            </a:r>
-          </a:p>
-          <a:p>
-            <a:pPr marL="914400" lvl="1" indent="-342900">
-              <a:spcBef>
-                <a:spcPts val="0"/>
-              </a:spcBef>
-              <a:buSzPct val="100000"/>
-              <a:buFont typeface="Arial" panose="020B0604020202020204" pitchFamily="34" charset="0"/>
-              <a:buChar char="•"/>
-            </a:pPr>
-            <a:r>
-              <a:rPr lang="en" sz="1200" dirty="0"/>
-              <a:t>We don’t want players sitting around doing nothing</a:t>
-            </a:r>
-          </a:p>
-          <a:p>
-            <a:pPr marL="914400" lvl="1" indent="-342900">
-              <a:spcBef>
-                <a:spcPts val="0"/>
-              </a:spcBef>
-              <a:buSzPct val="100000"/>
-              <a:buFont typeface="Arial" panose="020B0604020202020204" pitchFamily="34" charset="0"/>
-              <a:buChar char="•"/>
-            </a:pPr>
-            <a:r>
-              <a:rPr lang="en" sz="1200" dirty="0"/>
-              <a:t>We want players to be making moves even if they are low-impact</a:t>
-            </a:r>
-          </a:p>
-          <a:p>
-            <a:pPr marL="514350" lvl="0" indent="-285750">
-              <a:spcBef>
-                <a:spcPts val="0"/>
-              </a:spcBef>
-              <a:buFont typeface="Arial" panose="020B0604020202020204" pitchFamily="34" charset="0"/>
-              <a:buChar char="•"/>
-            </a:pPr>
-            <a:r>
-              <a:rPr lang="en" sz="1200" dirty="0"/>
-              <a:t>Levels increase at a fixed score cap</a:t>
-            </a:r>
-          </a:p>
-          <a:p>
-            <a:pPr marL="514350" lvl="0" indent="-285750">
-              <a:spcBef>
-                <a:spcPts val="0"/>
-              </a:spcBef>
-              <a:buFont typeface="Arial" panose="020B0604020202020204" pitchFamily="34" charset="0"/>
-              <a:buChar char="•"/>
-            </a:pPr>
-            <a:r>
-              <a:rPr lang="en" sz="1200" dirty="0"/>
-              <a:t>We want players to be moving throughout the game (so maximize level reached per session)</a:t>
-            </a:r>
-          </a:p>
-          <a:p>
-            <a:pPr marL="914400" lvl="1" indent="-342900">
-              <a:spcBef>
-                <a:spcPts val="0"/>
-              </a:spcBef>
-              <a:buSzPct val="100000"/>
-              <a:buFont typeface="Arial" panose="020B0604020202020204" pitchFamily="34" charset="0"/>
-              <a:buChar char="•"/>
-            </a:pPr>
-            <a:r>
-              <a:rPr lang="en" sz="1200" dirty="0"/>
-              <a:t>Levels have no time constraint</a:t>
-            </a:r>
-          </a:p>
-          <a:p>
-            <a:pPr marL="914400" lvl="1" indent="-342900">
-              <a:spcBef>
-                <a:spcPts val="0"/>
-              </a:spcBef>
-              <a:buSzPct val="100000"/>
-              <a:buFont typeface="Arial" panose="020B0604020202020204" pitchFamily="34" charset="0"/>
-              <a:buChar char="•"/>
-            </a:pPr>
-            <a:r>
-              <a:rPr lang="en" sz="1200" dirty="0"/>
-              <a:t>You can progress levels by taking the lowest-effort path</a:t>
-            </a:r>
-          </a:p>
-          <a:p>
-            <a:pPr marL="914400" lvl="1" indent="-342900" rtl="0">
-              <a:spcBef>
-                <a:spcPts val="0"/>
-              </a:spcBef>
-              <a:buSzPct val="100000"/>
-              <a:buFont typeface="Arial" panose="020B0604020202020204" pitchFamily="34" charset="0"/>
-              <a:buChar char="•"/>
-            </a:pPr>
-            <a:r>
-              <a:rPr lang="en" sz="1200" dirty="0"/>
-              <a:t>Skilled players will complete levels faster but that isn’t visible - No timer</a:t>
-            </a:r>
+            <a:pPr lvl="0">
+              <a:spcBef>
+                <a:spcPts val="0"/>
+              </a:spcBef>
+              <a:buNone/>
+            </a:pPr>
+            <a:endParaRPr/>
           </a:p>
         </p:txBody>
       </p:sp>
+      <p:pic>
+        <p:nvPicPr>
+          <p:cNvPr id="94" name="Shape 94"/>
+          <p:cNvPicPr preferRelativeResize="0"/>
+          <p:nvPr/>
+        </p:nvPicPr>
+        <p:blipFill>
+          <a:blip r:embed="rId3">
+            <a:alphaModFix/>
+          </a:blip>
+          <a:stretch>
+            <a:fillRect/>
+          </a:stretch>
+        </p:blipFill>
+        <p:spPr>
+          <a:xfrm>
+            <a:off x="1822762" y="445025"/>
+            <a:ext cx="5498476" cy="4123849"/>
+          </a:xfrm>
+          <a:prstGeom prst="rect">
+            <a:avLst/>
+          </a:prstGeom>
+          <a:noFill/>
+          <a:ln>
+            <a:noFill/>
+          </a:ln>
+        </p:spPr>
+      </p:pic>
     </p:spTree>
   </p:cSld>
   <p:clrMapOvr>
     <a:masterClrMapping/>
   </p:clrMapOvr>
-  <p:timing>
-    <p:tnLst>
-      <p:par>
-        <p:cTn id="1" dur="indefinite" restart="never" nodeType="tmRoot"/>
-      </p:par>
-    </p:tnLst>
-  </p:timing>
 </p:sld>
 </file>
 
@@ -6934,7 +7020,7 @@
   <p:cSld>
     <p:spTree>
       <p:nvGrpSpPr>
-        <p:cNvPr id="1" name="Shape 95"/>
+        <p:cNvPr id="1" name="Shape 98"/>
         <p:cNvGrpSpPr/>
         <p:nvPr/>
       </p:nvGrpSpPr>
@@ -6946,37 +7032,9 @@
           <a:chExt cx="0" cy="0"/>
         </a:xfrm>
       </p:grpSpPr>
-      <p:pic>
-        <p:nvPicPr>
-          <p:cNvPr id="96" name="Shape 96" descr="gt9Qdjf.png"/>
-          <p:cNvPicPr preferRelativeResize="0"/>
-          <p:nvPr/>
-        </p:nvPicPr>
-        <p:blipFill>
-          <a:blip r:embed="rId3">
-            <a:alphaModFix/>
-          </a:blip>
-          <a:stretch>
-            <a:fillRect/>
-          </a:stretch>
-        </p:blipFill>
-        <p:spPr>
-          <a:xfrm>
-            <a:off x="3560799" y="541812"/>
-            <a:ext cx="5413150" cy="4059874"/>
-          </a:xfrm>
-          <a:prstGeom prst="rect">
-            <a:avLst/>
-          </a:prstGeom>
-          <a:noFill/>
-          <a:ln>
-            <a:noFill/>
-          </a:ln>
-        </p:spPr>
-      </p:pic>
-      <p:sp>
-        <p:nvSpPr>
-          <p:cNvPr id="97" name="Shape 97"/>
+      <p:sp>
+        <p:nvSpPr>
+          <p:cNvPr id="99" name="Shape 99"/>
           <p:cNvSpPr txBox="1">
             <a:spLocks noGrp="1"/>
           </p:cNvSpPr>
@@ -6986,58 +7044,8 @@
         </p:nvSpPr>
         <p:spPr>
           <a:xfrm>
-            <a:off x="265500" y="1233175"/>
-            <a:ext cx="4045200" cy="1482300"/>
-          </a:xfrm>
-          <a:prstGeom prst="rect">
-            <a:avLst/>
-          </a:prstGeom>
-        </p:spPr>
-        <p:txBody>
-          <a:bodyPr lIns="91425" tIns="91425" rIns="91425" bIns="91425" anchor="b" anchorCtr="0">
-            <a:noAutofit/>
-          </a:bodyPr>
-          <a:lstStyle/>
-          <a:p>
-            <a:pPr lvl="0" algn="l" rtl="0">
-              <a:spcBef>
-                <a:spcPts val="0"/>
-              </a:spcBef>
-              <a:buNone/>
-            </a:pPr>
-            <a:r>
-              <a:rPr lang="en"/>
-              <a:t>Analytics</a:t>
-            </a:r>
-          </a:p>
-          <a:p>
-            <a:pPr lvl="0" algn="l" rtl="0">
-              <a:spcBef>
-                <a:spcPts val="0"/>
-              </a:spcBef>
-              <a:buNone/>
-            </a:pPr>
-            <a:r>
-              <a:rPr lang="en"/>
-              <a:t>Results</a:t>
-            </a:r>
-          </a:p>
-        </p:txBody>
-      </p:sp>
-      <p:sp>
-        <p:nvSpPr>
-          <p:cNvPr id="98" name="Shape 98"/>
-          <p:cNvSpPr txBox="1">
-            <a:spLocks noGrp="1"/>
-          </p:cNvSpPr>
-          <p:nvPr>
-            <p:ph type="subTitle" idx="1"/>
-          </p:nvPr>
-        </p:nvSpPr>
-        <p:spPr>
-          <a:xfrm>
-            <a:off x="265500" y="2803075"/>
-            <a:ext cx="3148500" cy="1235100"/>
+            <a:off x="311700" y="445025"/>
+            <a:ext cx="8520600" cy="572700"/>
           </a:xfrm>
           <a:prstGeom prst="rect">
             <a:avLst/>
@@ -7049,48 +7057,96 @@
           </a:bodyPr>
           <a:lstStyle/>
           <a:p>
-            <a:pPr lvl="0" algn="l" rtl="0">
-              <a:spcBef>
-                <a:spcPts val="0"/>
-              </a:spcBef>
-              <a:buNone/>
-            </a:pPr>
-            <a:endParaRPr/>
+            <a:pPr lvl="0">
+              <a:spcBef>
+                <a:spcPts val="0"/>
+              </a:spcBef>
+              <a:buNone/>
+            </a:pPr>
+            <a:r>
+              <a:rPr lang="en"/>
+              <a:t>Response to analytics</a:t>
+            </a:r>
           </a:p>
         </p:txBody>
       </p:sp>
       <p:sp>
         <p:nvSpPr>
-          <p:cNvPr id="99" name="Shape 99"/>
+          <p:cNvPr id="100" name="Shape 100"/>
           <p:cNvSpPr txBox="1">
             <a:spLocks noGrp="1"/>
           </p:cNvSpPr>
           <p:nvPr>
-            <p:ph type="body" idx="2"/>
-          </p:nvPr>
-        </p:nvSpPr>
-        <p:spPr>
-          <a:xfrm>
-            <a:off x="4939500" y="724200"/>
-            <a:ext cx="3837000" cy="3695100"/>
+            <p:ph type="body" idx="1"/>
+          </p:nvPr>
+        </p:nvSpPr>
+        <p:spPr>
+          <a:xfrm>
+            <a:off x="311700" y="1152475"/>
+            <a:ext cx="8520600" cy="3416400"/>
           </a:xfrm>
           <a:prstGeom prst="rect">
             <a:avLst/>
           </a:prstGeom>
         </p:spPr>
         <p:txBody>
-          <a:bodyPr lIns="91425" tIns="91425" rIns="91425" bIns="91425" anchor="ctr" anchorCtr="0">
+          <a:bodyPr lIns="91425" tIns="91425" rIns="91425" bIns="91425" anchor="t" anchorCtr="0">
             <a:noAutofit/>
           </a:bodyPr>
           <a:lstStyle/>
           <a:p>
-            <a:pPr lvl="0" rtl="0">
-              <a:spcBef>
-                <a:spcPts val="0"/>
-              </a:spcBef>
-              <a:buNone/>
-            </a:pPr>
-            <a:endParaRPr/>
+            <a:pPr marL="514350" lvl="0" indent="-285750" rtl="0">
+              <a:spcBef>
+                <a:spcPts val="0"/>
+              </a:spcBef>
+              <a:buFont typeface="Arial" panose="020B0604020202020204" pitchFamily="34" charset="0"/>
+              <a:buChar char="•"/>
+            </a:pPr>
+            <a:r>
+              <a:rPr lang="en" dirty="0"/>
+              <a:t>Players weren’t utilizing multi-clears</a:t>
+            </a:r>
+          </a:p>
+          <a:p>
+            <a:pPr marL="914400" lvl="1" indent="-342900" rtl="0">
+              <a:spcBef>
+                <a:spcPts val="0"/>
+              </a:spcBef>
+              <a:buSzPct val="100000"/>
+              <a:buFont typeface="Arial" panose="020B0604020202020204" pitchFamily="34" charset="0"/>
+              <a:buChar char="•"/>
+            </a:pPr>
+            <a:r>
+              <a:rPr lang="en" sz="1800" dirty="0"/>
+              <a:t>Changed internal scoring algorithm</a:t>
+            </a:r>
+          </a:p>
+          <a:p>
+            <a:pPr marL="514350" lvl="0" indent="-285750" rtl="0">
+              <a:spcBef>
+                <a:spcPts val="0"/>
+              </a:spcBef>
+              <a:buFont typeface="Arial" panose="020B0604020202020204" pitchFamily="34" charset="0"/>
+              <a:buChar char="•"/>
+            </a:pPr>
+            <a:r>
+              <a:rPr lang="en" dirty="0"/>
+              <a:t>Players take longer to make moves on later levels</a:t>
+            </a:r>
+          </a:p>
+          <a:p>
+            <a:pPr marL="914400" lvl="1" indent="-342900">
+              <a:spcBef>
+                <a:spcPts val="0"/>
+              </a:spcBef>
+              <a:buSzPct val="100000"/>
+              <a:buFont typeface="Arial" panose="020B0604020202020204" pitchFamily="34" charset="0"/>
+              <a:buChar char="•"/>
+            </a:pPr>
+            <a:r>
+              <a:rPr lang="en" sz="1800" dirty="0"/>
+              <a:t>Made the randomizer less aggressive</a:t>
+            </a:r>
           </a:p>
         </p:txBody>
       </p:sp>
@@ -7107,7 +7163,7 @@
   <p:cSld>
     <p:spTree>
       <p:nvGrpSpPr>
-        <p:cNvPr id="1" name="Shape 103"/>
+        <p:cNvPr id="1" name="Shape 104"/>
         <p:cNvGrpSpPr/>
         <p:nvPr/>
       </p:nvGrpSpPr>
@@ -7121,18 +7177,18 @@
       </p:grpSpPr>
       <p:sp>
         <p:nvSpPr>
-          <p:cNvPr id="104" name="Shape 104"/>
+          <p:cNvPr id="105" name="Shape 105"/>
           <p:cNvSpPr txBox="1">
             <a:spLocks noGrp="1"/>
           </p:cNvSpPr>
           <p:nvPr>
-            <p:ph type="title"/>
-          </p:nvPr>
-        </p:nvSpPr>
-        <p:spPr>
-          <a:xfrm>
-            <a:off x="265500" y="1233175"/>
-            <a:ext cx="4045200" cy="1482300"/>
+            <p:ph type="ctrTitle"/>
+          </p:nvPr>
+        </p:nvSpPr>
+        <p:spPr>
+          <a:xfrm>
+            <a:off x="311708" y="744575"/>
+            <a:ext cx="8520600" cy="2052600"/>
           </a:xfrm>
           <a:prstGeom prst="rect">
             <a:avLst/>
@@ -7144,7 +7200,7 @@
           </a:bodyPr>
           <a:lstStyle/>
           <a:p>
-            <a:pPr lvl="0" algn="l">
+            <a:pPr lvl="0">
               <a:spcBef>
                 <a:spcPts val="0"/>
               </a:spcBef>
@@ -7152,26 +7208,14 @@
             </a:pPr>
             <a:r>
               <a:rPr lang="en"/>
-              <a:t>Analytics</a:t>
+              <a:t>Demo time!</a:t>
             </a:r>
           </a:p>
-          <a:p>
-            <a:pPr lvl="0" algn="l">
-              <a:spcBef>
-                <a:spcPts val="0"/>
-              </a:spcBef>
-              <a:buNone/>
-            </a:pPr>
-            <a:r>
-              <a:rPr lang="en"/>
-              <a:t>Results</a:t>
-            </a:r>
-          </a:p>
         </p:txBody>
       </p:sp>
       <p:sp>
         <p:nvSpPr>
-          <p:cNvPr id="105" name="Shape 105"/>
+          <p:cNvPr id="106" name="Shape 106"/>
           <p:cNvSpPr txBox="1">
             <a:spLocks noGrp="1"/>
           </p:cNvSpPr>
@@ -7181,8 +7225,8 @@
         </p:nvSpPr>
         <p:spPr>
           <a:xfrm>
-            <a:off x="265500" y="2803075"/>
-            <a:ext cx="4045200" cy="1235100"/>
+            <a:off x="311700" y="2834125"/>
+            <a:ext cx="8520600" cy="792600"/>
           </a:xfrm>
           <a:prstGeom prst="rect">
             <a:avLst/>
@@ -7200,73 +7244,18 @@
               </a:spcBef>
               <a:buNone/>
             </a:pPr>
-            <a:endParaRPr/>
+            <a:r>
+              <a:rPr lang="en" u="sng">
+                <a:solidFill>
+                  <a:schemeClr val="hlink"/>
+                </a:solidFill>
+                <a:hlinkClick r:id="rId3"/>
+              </a:rPr>
+              <a:t>Final Version</a:t>
+            </a:r>
           </a:p>
         </p:txBody>
       </p:sp>
-      <p:sp>
-        <p:nvSpPr>
-          <p:cNvPr id="106" name="Shape 106"/>
-          <p:cNvSpPr txBox="1">
-            <a:spLocks noGrp="1"/>
-          </p:cNvSpPr>
-          <p:nvPr>
-            <p:ph type="body" idx="2"/>
-          </p:nvPr>
-        </p:nvSpPr>
-        <p:spPr>
-          <a:xfrm>
-            <a:off x="4939500" y="724200"/>
-            <a:ext cx="3837000" cy="3695100"/>
-          </a:xfrm>
-          <a:prstGeom prst="rect">
-            <a:avLst/>
-          </a:prstGeom>
-        </p:spPr>
-        <p:txBody>
-          <a:bodyPr lIns="91425" tIns="91425" rIns="91425" bIns="91425" anchor="ctr" anchorCtr="0">
-            <a:noAutofit/>
-          </a:bodyPr>
-          <a:lstStyle/>
-          <a:p>
-            <a:pPr lvl="0">
-              <a:spcBef>
-                <a:spcPts val="0"/>
-              </a:spcBef>
-              <a:buNone/>
-            </a:pPr>
-            <a:endParaRPr/>
-          </a:p>
-        </p:txBody>
-      </p:sp>
-      <p:pic>
-        <p:nvPicPr>
-          <p:cNvPr id="107" name="Shape 107" descr="UhTiCeo.png"/>
-          <p:cNvPicPr preferRelativeResize="0"/>
-          <p:nvPr/>
-        </p:nvPicPr>
-        <p:blipFill>
-          <a:blip r:embed="rId3">
-            <a:alphaModFix/>
-          </a:blip>
-          <a:stretch>
-            <a:fillRect/>
-          </a:stretch>
-        </p:blipFill>
-        <p:spPr>
-          <a:xfrm>
-            <a:off x="3560800" y="541825"/>
-            <a:ext cx="5413150" cy="4059850"/>
-          </a:xfrm>
-          <a:prstGeom prst="rect">
-            <a:avLst/>
-          </a:prstGeom>
-          <a:noFill/>
-          <a:ln>
-            <a:noFill/>
-          </a:ln>
-        </p:spPr>
-      </p:pic>
     </p:spTree>
   </p:cSld>
   <p:clrMapOvr>
